--- a/浅谈oracle sql优化.pptx
+++ b/浅谈oracle sql优化.pptx
@@ -9,15 +9,16 @@
     <p:sldId id="257" r:id="rId3"/>
     <p:sldId id="258" r:id="rId4"/>
     <p:sldId id="261" r:id="rId5"/>
-    <p:sldId id="260" r:id="rId6"/>
-    <p:sldId id="262" r:id="rId7"/>
+    <p:sldId id="262" r:id="rId6"/>
+    <p:sldId id="260" r:id="rId7"/>
     <p:sldId id="259" r:id="rId8"/>
     <p:sldId id="263" r:id="rId9"/>
     <p:sldId id="267" r:id="rId10"/>
     <p:sldId id="264" r:id="rId11"/>
     <p:sldId id="265" r:id="rId12"/>
     <p:sldId id="266" r:id="rId13"/>
-    <p:sldId id="268" r:id="rId14"/>
+    <p:sldId id="269" r:id="rId14"/>
+    <p:sldId id="268" r:id="rId15"/>
   </p:sldIdLst>
   <p:sldSz cx="12192000" cy="6858000"/>
   <p:notesSz cx="6858000" cy="9144000"/>
@@ -271,7 +272,7 @@
           <a:p>
             <a:fld id="{79D24C61-C1EC-487B-9191-DCE2CA532C55}" type="datetimeFigureOut">
               <a:rPr lang="zh-CN" altLang="en-US" smtClean="0"/>
-              <a:t>2019/5/5</a:t>
+              <a:t>2019/6/23</a:t>
             </a:fld>
             <a:endParaRPr lang="zh-CN" altLang="en-US"/>
           </a:p>
@@ -469,7 +470,7 @@
           <a:p>
             <a:fld id="{79D24C61-C1EC-487B-9191-DCE2CA532C55}" type="datetimeFigureOut">
               <a:rPr lang="zh-CN" altLang="en-US" smtClean="0"/>
-              <a:t>2019/5/5</a:t>
+              <a:t>2019/6/23</a:t>
             </a:fld>
             <a:endParaRPr lang="zh-CN" altLang="en-US"/>
           </a:p>
@@ -677,7 +678,7 @@
           <a:p>
             <a:fld id="{79D24C61-C1EC-487B-9191-DCE2CA532C55}" type="datetimeFigureOut">
               <a:rPr lang="zh-CN" altLang="en-US" smtClean="0"/>
-              <a:t>2019/5/5</a:t>
+              <a:t>2019/6/23</a:t>
             </a:fld>
             <a:endParaRPr lang="zh-CN" altLang="en-US"/>
           </a:p>
@@ -875,7 +876,7 @@
           <a:p>
             <a:fld id="{79D24C61-C1EC-487B-9191-DCE2CA532C55}" type="datetimeFigureOut">
               <a:rPr lang="zh-CN" altLang="en-US" smtClean="0"/>
-              <a:t>2019/5/5</a:t>
+              <a:t>2019/6/23</a:t>
             </a:fld>
             <a:endParaRPr lang="zh-CN" altLang="en-US"/>
           </a:p>
@@ -1150,7 +1151,7 @@
           <a:p>
             <a:fld id="{79D24C61-C1EC-487B-9191-DCE2CA532C55}" type="datetimeFigureOut">
               <a:rPr lang="zh-CN" altLang="en-US" smtClean="0"/>
-              <a:t>2019/5/5</a:t>
+              <a:t>2019/6/23</a:t>
             </a:fld>
             <a:endParaRPr lang="zh-CN" altLang="en-US"/>
           </a:p>
@@ -1415,7 +1416,7 @@
           <a:p>
             <a:fld id="{79D24C61-C1EC-487B-9191-DCE2CA532C55}" type="datetimeFigureOut">
               <a:rPr lang="zh-CN" altLang="en-US" smtClean="0"/>
-              <a:t>2019/5/5</a:t>
+              <a:t>2019/6/23</a:t>
             </a:fld>
             <a:endParaRPr lang="zh-CN" altLang="en-US"/>
           </a:p>
@@ -1827,7 +1828,7 @@
           <a:p>
             <a:fld id="{79D24C61-C1EC-487B-9191-DCE2CA532C55}" type="datetimeFigureOut">
               <a:rPr lang="zh-CN" altLang="en-US" smtClean="0"/>
-              <a:t>2019/5/5</a:t>
+              <a:t>2019/6/23</a:t>
             </a:fld>
             <a:endParaRPr lang="zh-CN" altLang="en-US"/>
           </a:p>
@@ -1968,7 +1969,7 @@
           <a:p>
             <a:fld id="{79D24C61-C1EC-487B-9191-DCE2CA532C55}" type="datetimeFigureOut">
               <a:rPr lang="zh-CN" altLang="en-US" smtClean="0"/>
-              <a:t>2019/5/5</a:t>
+              <a:t>2019/6/23</a:t>
             </a:fld>
             <a:endParaRPr lang="zh-CN" altLang="en-US"/>
           </a:p>
@@ -2081,7 +2082,7 @@
           <a:p>
             <a:fld id="{79D24C61-C1EC-487B-9191-DCE2CA532C55}" type="datetimeFigureOut">
               <a:rPr lang="zh-CN" altLang="en-US" smtClean="0"/>
-              <a:t>2019/5/5</a:t>
+              <a:t>2019/6/23</a:t>
             </a:fld>
             <a:endParaRPr lang="zh-CN" altLang="en-US"/>
           </a:p>
@@ -2392,7 +2393,7 @@
           <a:p>
             <a:fld id="{79D24C61-C1EC-487B-9191-DCE2CA532C55}" type="datetimeFigureOut">
               <a:rPr lang="zh-CN" altLang="en-US" smtClean="0"/>
-              <a:t>2019/5/5</a:t>
+              <a:t>2019/6/23</a:t>
             </a:fld>
             <a:endParaRPr lang="zh-CN" altLang="en-US"/>
           </a:p>
@@ -2680,7 +2681,7 @@
           <a:p>
             <a:fld id="{79D24C61-C1EC-487B-9191-DCE2CA532C55}" type="datetimeFigureOut">
               <a:rPr lang="zh-CN" altLang="en-US" smtClean="0"/>
-              <a:t>2019/5/5</a:t>
+              <a:t>2019/6/23</a:t>
             </a:fld>
             <a:endParaRPr lang="zh-CN" altLang="en-US"/>
           </a:p>
@@ -2921,7 +2922,7 @@
           <a:p>
             <a:fld id="{79D24C61-C1EC-487B-9191-DCE2CA532C55}" type="datetimeFigureOut">
               <a:rPr lang="zh-CN" altLang="en-US" smtClean="0"/>
-              <a:t>2019/5/5</a:t>
+              <a:t>2019/6/23</a:t>
             </a:fld>
             <a:endParaRPr lang="zh-CN" altLang="en-US"/>
           </a:p>
@@ -3324,6 +3325,11 @@
 <file path=ppt/slides/slide1.xml><?xml version="1.0" encoding="utf-8"?>
 <p:sld xmlns:a="http://schemas.openxmlformats.org/drawingml/2006/main" xmlns:r="http://schemas.openxmlformats.org/officeDocument/2006/relationships" xmlns:p="http://schemas.openxmlformats.org/presentationml/2006/main">
   <p:cSld>
+    <p:bg>
+      <p:bgRef idx="1001">
+        <a:schemeClr val="bg1"/>
+      </p:bgRef>
+    </p:bg>
     <p:spTree>
       <p:nvGrpSpPr>
         <p:cNvPr id="1" name=""/>
@@ -3394,12 +3400,7 @@
             <p:ph type="subTitle" idx="1"/>
           </p:nvPr>
         </p:nvSpPr>
-        <p:spPr>
-          <a:xfrm>
-            <a:off x="1524000" y="3602038"/>
-            <a:ext cx="9144000" cy="1655762"/>
-          </a:xfrm>
-        </p:spPr>
+        <p:spPr/>
         <p:txBody>
           <a:bodyPr>
             <a:normAutofit/>
@@ -3471,7 +3472,7 @@
     </p:extLst>
   </p:cSld>
   <p:clrMapOvr>
-    <a:masterClrMapping/>
+    <a:overrideClrMapping bg1="lt1" tx1="dk1" bg2="lt2" tx2="dk2" accent1="accent1" accent2="accent2" accent3="accent3" accent4="accent4" accent5="accent5" accent6="accent6" hlink="hlink" folHlink="folHlink"/>
   </p:clrMapOvr>
   <mc:AlternateContent xmlns:mc="http://schemas.openxmlformats.org/markup-compatibility/2006" xmlns:p14="http://schemas.microsoft.com/office/powerpoint/2010/main">
     <mc:Choice Requires="p14">
@@ -3594,13 +3595,13 @@
   <p:clrMapOvr>
     <a:masterClrMapping/>
   </p:clrMapOvr>
-  <mc:AlternateContent xmlns:mc="http://schemas.openxmlformats.org/markup-compatibility/2006">
-    <mc:Choice xmlns:p14="http://schemas.microsoft.com/office/powerpoint/2010/main" Requires="p14">
+  <mc:AlternateContent xmlns:mc="http://schemas.openxmlformats.org/markup-compatibility/2006" xmlns:p14="http://schemas.microsoft.com/office/powerpoint/2010/main">
+    <mc:Choice Requires="p14">
       <p:transition p14:dur="100">
         <p:cut/>
       </p:transition>
     </mc:Choice>
-    <mc:Fallback>
+    <mc:Fallback xmlns="">
       <p:transition>
         <p:cut/>
       </p:transition>
@@ -3871,6 +3872,68 @@
       </p:grpSpPr>
       <p:sp>
         <p:nvSpPr>
+          <p:cNvPr id="3" name="内容占位符 2">
+            <a:extLst>
+              <a:ext uri="{FF2B5EF4-FFF2-40B4-BE49-F238E27FC236}">
+                <a16:creationId xmlns:a16="http://schemas.microsoft.com/office/drawing/2014/main" id="{A26FA946-331F-4B92-B6C4-F430C82AA4C4}"/>
+              </a:ext>
+            </a:extLst>
+          </p:cNvPr>
+          <p:cNvSpPr>
+            <a:spLocks noGrp="1"/>
+          </p:cNvSpPr>
+          <p:nvPr>
+            <p:ph idx="1"/>
+          </p:nvPr>
+        </p:nvSpPr>
+        <p:spPr>
+          <a:xfrm>
+            <a:off x="251791" y="304800"/>
+            <a:ext cx="11102009" cy="5872163"/>
+          </a:xfrm>
+        </p:spPr>
+        <p:txBody>
+          <a:bodyPr>
+            <a:normAutofit/>
+          </a:bodyPr>
+          <a:lstStyle/>
+          <a:p>
+            <a:endParaRPr lang="zh-CN" altLang="en-US" sz="1200" dirty="0"/>
+          </a:p>
+        </p:txBody>
+      </p:sp>
+    </p:spTree>
+    <p:extLst>
+      <p:ext uri="{BB962C8B-B14F-4D97-AF65-F5344CB8AC3E}">
+        <p14:creationId xmlns:p14="http://schemas.microsoft.com/office/powerpoint/2010/main" val="4252766689"/>
+      </p:ext>
+    </p:extLst>
+  </p:cSld>
+  <p:clrMapOvr>
+    <a:masterClrMapping/>
+  </p:clrMapOvr>
+</p:sld>
+</file>
+
+<file path=ppt/slides/slide14.xml><?xml version="1.0" encoding="utf-8"?>
+<p:sld xmlns:a="http://schemas.openxmlformats.org/drawingml/2006/main" xmlns:r="http://schemas.openxmlformats.org/officeDocument/2006/relationships" xmlns:p="http://schemas.openxmlformats.org/presentationml/2006/main">
+  <p:cSld>
+    <p:spTree>
+      <p:nvGrpSpPr>
+        <p:cNvPr id="1" name=""/>
+        <p:cNvGrpSpPr/>
+        <p:nvPr/>
+      </p:nvGrpSpPr>
+      <p:grpSpPr>
+        <a:xfrm>
+          <a:off x="0" y="0"/>
+          <a:ext cx="0" cy="0"/>
+          <a:chOff x="0" y="0"/>
+          <a:chExt cx="0" cy="0"/>
+        </a:xfrm>
+      </p:grpSpPr>
+      <p:sp>
+        <p:nvSpPr>
           <p:cNvPr id="2" name="标题 1">
             <a:extLst>
               <a:ext uri="{FF2B5EF4-FFF2-40B4-BE49-F238E27FC236}">
@@ -3983,20 +4046,12 @@
             </a:r>
             <a:r>
               <a:rPr lang="zh-CN" altLang="en-US" sz="1400" dirty="0"/>
-              <a:t>子句的末尾。</a:t>
-            </a:r>
-            <a:endParaRPr lang="en-US" altLang="zh-CN" sz="1400" dirty="0"/>
-          </a:p>
-          <a:p>
-            <a:pPr marL="0" indent="0">
-              <a:buNone/>
-            </a:pPr>
-            <a:endParaRPr lang="en-US" altLang="zh-CN" sz="1400" dirty="0"/>
-          </a:p>
-          <a:p>
-            <a:pPr marL="0" indent="0">
-              <a:buNone/>
-            </a:pPr>
+              <a:t>子句的</a:t>
+            </a:r>
+            <a:r>
+              <a:rPr lang="zh-CN" altLang="en-US" sz="1400"/>
+              <a:t>末尾。</a:t>
+            </a:r>
             <a:endParaRPr lang="en-US" altLang="zh-CN" sz="1400" dirty="0"/>
           </a:p>
           <a:p>
@@ -4060,7 +4115,7 @@
             </a:r>
             <a:r>
               <a:rPr lang="zh-CN" altLang="en-US" sz="1400" dirty="0"/>
-              <a:t>名称，而不是简单的用“*”来替代，这样可以减少多于的数据库查询开销。</a:t>
+              <a:t>名称，而不是简单的用“*”来替代，这样可以减少余的数据库查询开销。</a:t>
             </a:r>
           </a:p>
           <a:p>
@@ -4169,7 +4224,7 @@
           <a:p>
             <a:r>
               <a:rPr lang="zh-CN" altLang="en-US" sz="1400" dirty="0"/>
-              <a:t>使用</a:t>
+              <a:t>如果需要清除表的数据使用</a:t>
             </a:r>
             <a:r>
               <a:rPr lang="en-US" altLang="zh-CN" sz="1400" dirty="0"/>
@@ -4187,1170 +4242,6 @@
           </a:p>
           <a:p>
             <a:endParaRPr lang="zh-CN" altLang="en-US" sz="1400" dirty="0"/>
-          </a:p>
-        </p:txBody>
-      </p:sp>
-      <p:sp>
-        <p:nvSpPr>
-          <p:cNvPr id="4" name="Rectangle 1">
-            <a:extLst>
-              <a:ext uri="{FF2B5EF4-FFF2-40B4-BE49-F238E27FC236}">
-                <a16:creationId xmlns:a16="http://schemas.microsoft.com/office/drawing/2014/main" id="{A5129412-1249-4A9D-A532-64E064217927}"/>
-              </a:ext>
-            </a:extLst>
-          </p:cNvPr>
-          <p:cNvSpPr>
-            <a:spLocks noChangeArrowheads="1"/>
-          </p:cNvSpPr>
-          <p:nvPr/>
-        </p:nvSpPr>
-        <p:spPr bwMode="auto">
-          <a:xfrm>
-            <a:off x="1020417" y="2508008"/>
-            <a:ext cx="9803840" cy="169277"/>
-          </a:xfrm>
-          <a:prstGeom prst="rect">
-            <a:avLst/>
-          </a:prstGeom>
-          <a:noFill/>
-          <a:ln>
-            <a:noFill/>
-          </a:ln>
-          <a:effectLst/>
-          <a:extLst>
-            <a:ext uri="{909E8E84-426E-40DD-AFC4-6F175D3DCCD1}">
-              <a14:hiddenFill xmlns:a14="http://schemas.microsoft.com/office/drawing/2010/main">
-                <a:solidFill>
-                  <a:schemeClr val="accent1"/>
-                </a:solidFill>
-              </a14:hiddenFill>
-            </a:ext>
-            <a:ext uri="{91240B29-F687-4F45-9708-019B960494DF}">
-              <a14:hiddenLine xmlns:a14="http://schemas.microsoft.com/office/drawing/2010/main" w="9525">
-                <a:solidFill>
-                  <a:schemeClr val="tx1"/>
-                </a:solidFill>
-                <a:miter lim="800000"/>
-                <a:headEnd/>
-                <a:tailEnd/>
-              </a14:hiddenLine>
-            </a:ext>
-            <a:ext uri="{AF507438-7753-43E0-B8FC-AC1667EBCBE1}">
-              <a14:hiddenEffects xmlns:a14="http://schemas.microsoft.com/office/drawing/2010/main">
-                <a:effectLst>
-                  <a:outerShdw dist="35921" dir="2700000" algn="ctr" rotWithShape="0">
-                    <a:schemeClr val="bg2"/>
-                  </a:outerShdw>
-                </a:effectLst>
-              </a14:hiddenEffects>
-            </a:ext>
-          </a:extLst>
-        </p:spPr>
-        <p:txBody>
-          <a:bodyPr vert="horz" wrap="square" lIns="0" tIns="0" rIns="0" bIns="0" numCol="1" anchor="ctr" anchorCtr="0" compatLnSpc="1">
-            <a:prstTxWarp prst="textNoShape">
-              <a:avLst/>
-            </a:prstTxWarp>
-            <a:spAutoFit/>
-          </a:bodyPr>
-          <a:lstStyle/>
-          <a:p>
-            <a:pPr marL="0" marR="0" lvl="0" indent="0" algn="l" defTabSz="914400" rtl="0" eaLnBrk="0" fontAlgn="base" latinLnBrk="0" hangingPunct="0">
-              <a:lnSpc>
-                <a:spcPct val="100000"/>
-              </a:lnSpc>
-              <a:spcBef>
-                <a:spcPct val="0"/>
-              </a:spcBef>
-              <a:spcAft>
-                <a:spcPct val="0"/>
-              </a:spcAft>
-              <a:buClrTx/>
-              <a:buSzTx/>
-              <a:buFontTx/>
-              <a:buNone/>
-              <a:tabLst/>
-            </a:pPr>
-            <a:r>
-              <a:rPr kumimoji="0" lang="zh-CN" altLang="zh-CN" sz="900" b="0" i="0" u="none" strike="noStrike" cap="none" normalizeH="0" baseline="0" dirty="0">
-                <a:ln>
-                  <a:noFill/>
-                </a:ln>
-                <a:solidFill>
-                  <a:srgbClr val="008080"/>
-                </a:solidFill>
-                <a:effectLst/>
-                <a:latin typeface="Courier New" panose="02070309020205020404" pitchFamily="49" charset="0"/>
-                <a:cs typeface="Courier New" panose="02070309020205020404" pitchFamily="49" charset="0"/>
-              </a:rPr>
-              <a:t>/*低效,执行时间156.3秒*/</a:t>
-            </a:r>
-            <a:r>
-              <a:rPr kumimoji="0" lang="zh-CN" altLang="zh-CN" sz="900" b="0" i="0" u="none" strike="noStrike" cap="none" normalizeH="0" baseline="0" dirty="0">
-                <a:ln>
-                  <a:noFill/>
-                </a:ln>
-                <a:solidFill>
-                  <a:srgbClr val="000000"/>
-                </a:solidFill>
-                <a:effectLst/>
-                <a:latin typeface="Courier New" panose="02070309020205020404" pitchFamily="49" charset="0"/>
-                <a:cs typeface="Courier New" panose="02070309020205020404" pitchFamily="49" charset="0"/>
-              </a:rPr>
-              <a:t> </a:t>
-            </a:r>
-            <a:r>
-              <a:rPr kumimoji="0" lang="zh-CN" altLang="zh-CN" sz="900" b="0" i="0" u="none" strike="noStrike" cap="none" normalizeH="0" baseline="0" dirty="0">
-                <a:ln>
-                  <a:noFill/>
-                </a:ln>
-                <a:solidFill>
-                  <a:srgbClr val="0000FF"/>
-                </a:solidFill>
-                <a:effectLst/>
-                <a:latin typeface="Courier New" panose="02070309020205020404" pitchFamily="49" charset="0"/>
-                <a:cs typeface="Courier New" panose="02070309020205020404" pitchFamily="49" charset="0"/>
-              </a:rPr>
-              <a:t>SELECT</a:t>
-            </a:r>
-            <a:r>
-              <a:rPr kumimoji="0" lang="zh-CN" altLang="zh-CN" sz="900" b="0" i="0" u="none" strike="noStrike" cap="none" normalizeH="0" baseline="0" dirty="0">
-                <a:ln>
-                  <a:noFill/>
-                </a:ln>
-                <a:solidFill>
-                  <a:srgbClr val="000000"/>
-                </a:solidFill>
-                <a:effectLst/>
-                <a:latin typeface="Courier New" panose="02070309020205020404" pitchFamily="49" charset="0"/>
-                <a:cs typeface="Courier New" panose="02070309020205020404" pitchFamily="49" charset="0"/>
-              </a:rPr>
-              <a:t> … </a:t>
-            </a:r>
-            <a:r>
-              <a:rPr kumimoji="0" lang="zh-CN" altLang="zh-CN" sz="900" b="0" i="0" u="none" strike="noStrike" cap="none" normalizeH="0" baseline="0" dirty="0">
-                <a:ln>
-                  <a:noFill/>
-                </a:ln>
-                <a:solidFill>
-                  <a:srgbClr val="0000FF"/>
-                </a:solidFill>
-                <a:effectLst/>
-                <a:latin typeface="Courier New" panose="02070309020205020404" pitchFamily="49" charset="0"/>
-                <a:cs typeface="Courier New" panose="02070309020205020404" pitchFamily="49" charset="0"/>
-              </a:rPr>
-              <a:t>FROM</a:t>
-            </a:r>
-            <a:r>
-              <a:rPr kumimoji="0" lang="zh-CN" altLang="zh-CN" sz="900" b="0" i="0" u="none" strike="noStrike" cap="none" normalizeH="0" baseline="0" dirty="0">
-                <a:ln>
-                  <a:noFill/>
-                </a:ln>
-                <a:solidFill>
-                  <a:srgbClr val="000000"/>
-                </a:solidFill>
-                <a:effectLst/>
-                <a:latin typeface="Courier New" panose="02070309020205020404" pitchFamily="49" charset="0"/>
-                <a:cs typeface="Courier New" panose="02070309020205020404" pitchFamily="49" charset="0"/>
-              </a:rPr>
-              <a:t> EMP E </a:t>
-            </a:r>
-            <a:r>
-              <a:rPr kumimoji="0" lang="zh-CN" altLang="zh-CN" sz="900" b="0" i="0" u="none" strike="noStrike" cap="none" normalizeH="0" baseline="0" dirty="0">
-                <a:ln>
-                  <a:noFill/>
-                </a:ln>
-                <a:solidFill>
-                  <a:srgbClr val="0000FF"/>
-                </a:solidFill>
-                <a:effectLst/>
-                <a:latin typeface="Courier New" panose="02070309020205020404" pitchFamily="49" charset="0"/>
-                <a:cs typeface="Courier New" panose="02070309020205020404" pitchFamily="49" charset="0"/>
-              </a:rPr>
-              <a:t>WHERE</a:t>
-            </a:r>
-            <a:r>
-              <a:rPr kumimoji="0" lang="zh-CN" altLang="zh-CN" sz="900" b="0" i="0" u="none" strike="noStrike" cap="none" normalizeH="0" baseline="0" dirty="0">
-                <a:ln>
-                  <a:noFill/>
-                </a:ln>
-                <a:solidFill>
-                  <a:srgbClr val="000000"/>
-                </a:solidFill>
-                <a:effectLst/>
-                <a:latin typeface="Courier New" panose="02070309020205020404" pitchFamily="49" charset="0"/>
-                <a:cs typeface="Courier New" panose="02070309020205020404" pitchFamily="49" charset="0"/>
-              </a:rPr>
-              <a:t> SAL </a:t>
-            </a:r>
-            <a:r>
-              <a:rPr kumimoji="0" lang="zh-CN" altLang="zh-CN" sz="900" b="0" i="0" u="none" strike="noStrike" cap="none" normalizeH="0" baseline="0" dirty="0">
-                <a:ln>
-                  <a:noFill/>
-                </a:ln>
-                <a:solidFill>
-                  <a:srgbClr val="808080"/>
-                </a:solidFill>
-                <a:effectLst/>
-                <a:latin typeface="Courier New" panose="02070309020205020404" pitchFamily="49" charset="0"/>
-                <a:cs typeface="Courier New" panose="02070309020205020404" pitchFamily="49" charset="0"/>
-              </a:rPr>
-              <a:t>&gt;</a:t>
-            </a:r>
-            <a:r>
-              <a:rPr kumimoji="0" lang="zh-CN" altLang="zh-CN" sz="900" b="0" i="0" u="none" strike="noStrike" cap="none" normalizeH="0" baseline="0" dirty="0">
-                <a:ln>
-                  <a:noFill/>
-                </a:ln>
-                <a:solidFill>
-                  <a:srgbClr val="000000"/>
-                </a:solidFill>
-                <a:effectLst/>
-                <a:latin typeface="Courier New" panose="02070309020205020404" pitchFamily="49" charset="0"/>
-                <a:cs typeface="Courier New" panose="02070309020205020404" pitchFamily="49" charset="0"/>
-              </a:rPr>
-              <a:t> </a:t>
-            </a:r>
-            <a:r>
-              <a:rPr kumimoji="0" lang="zh-CN" altLang="zh-CN" sz="900" b="1" i="0" u="none" strike="noStrike" cap="none" normalizeH="0" baseline="0" dirty="0">
-                <a:ln>
-                  <a:noFill/>
-                </a:ln>
-                <a:solidFill>
-                  <a:srgbClr val="800000"/>
-                </a:solidFill>
-                <a:effectLst/>
-                <a:latin typeface="Courier New" panose="02070309020205020404" pitchFamily="49" charset="0"/>
-                <a:cs typeface="Courier New" panose="02070309020205020404" pitchFamily="49" charset="0"/>
-              </a:rPr>
-              <a:t>50000</a:t>
-            </a:r>
-            <a:r>
-              <a:rPr kumimoji="0" lang="zh-CN" altLang="zh-CN" sz="900" b="0" i="0" u="none" strike="noStrike" cap="none" normalizeH="0" baseline="0" dirty="0">
-                <a:ln>
-                  <a:noFill/>
-                </a:ln>
-                <a:solidFill>
-                  <a:srgbClr val="000000"/>
-                </a:solidFill>
-                <a:effectLst/>
-                <a:latin typeface="Courier New" panose="02070309020205020404" pitchFamily="49" charset="0"/>
-                <a:cs typeface="Courier New" panose="02070309020205020404" pitchFamily="49" charset="0"/>
-              </a:rPr>
-              <a:t> </a:t>
-            </a:r>
-            <a:r>
-              <a:rPr kumimoji="0" lang="zh-CN" altLang="zh-CN" sz="900" b="0" i="0" u="none" strike="noStrike" cap="none" normalizeH="0" baseline="0" dirty="0">
-                <a:ln>
-                  <a:noFill/>
-                </a:ln>
-                <a:solidFill>
-                  <a:srgbClr val="808080"/>
-                </a:solidFill>
-                <a:effectLst/>
-                <a:latin typeface="Courier New" panose="02070309020205020404" pitchFamily="49" charset="0"/>
-                <a:cs typeface="Courier New" panose="02070309020205020404" pitchFamily="49" charset="0"/>
-              </a:rPr>
-              <a:t>AND</a:t>
-            </a:r>
-            <a:r>
-              <a:rPr kumimoji="0" lang="zh-CN" altLang="zh-CN" sz="900" b="0" i="0" u="none" strike="noStrike" cap="none" normalizeH="0" baseline="0" dirty="0">
-                <a:ln>
-                  <a:noFill/>
-                </a:ln>
-                <a:solidFill>
-                  <a:srgbClr val="000000"/>
-                </a:solidFill>
-                <a:effectLst/>
-                <a:latin typeface="Courier New" panose="02070309020205020404" pitchFamily="49" charset="0"/>
-                <a:cs typeface="Courier New" panose="02070309020205020404" pitchFamily="49" charset="0"/>
-              </a:rPr>
-              <a:t> JOB </a:t>
-            </a:r>
-            <a:r>
-              <a:rPr kumimoji="0" lang="zh-CN" altLang="zh-CN" sz="900" b="0" i="0" u="none" strike="noStrike" cap="none" normalizeH="0" baseline="0" dirty="0">
-                <a:ln>
-                  <a:noFill/>
-                </a:ln>
-                <a:solidFill>
-                  <a:srgbClr val="808080"/>
-                </a:solidFill>
-                <a:effectLst/>
-                <a:latin typeface="Courier New" panose="02070309020205020404" pitchFamily="49" charset="0"/>
-                <a:cs typeface="Courier New" panose="02070309020205020404" pitchFamily="49" charset="0"/>
-              </a:rPr>
-              <a:t>=</a:t>
-            </a:r>
-            <a:r>
-              <a:rPr kumimoji="0" lang="zh-CN" altLang="zh-CN" sz="900" b="0" i="0" u="none" strike="noStrike" cap="none" normalizeH="0" baseline="0" dirty="0">
-                <a:ln>
-                  <a:noFill/>
-                </a:ln>
-                <a:solidFill>
-                  <a:srgbClr val="000000"/>
-                </a:solidFill>
-                <a:effectLst/>
-                <a:latin typeface="Courier New" panose="02070309020205020404" pitchFamily="49" charset="0"/>
-                <a:cs typeface="Courier New" panose="02070309020205020404" pitchFamily="49" charset="0"/>
-              </a:rPr>
-              <a:t> ‘MANAGER’ </a:t>
-            </a:r>
-            <a:r>
-              <a:rPr kumimoji="0" lang="zh-CN" altLang="zh-CN" sz="900" b="0" i="0" u="none" strike="noStrike" cap="none" normalizeH="0" baseline="0" dirty="0">
-                <a:ln>
-                  <a:noFill/>
-                </a:ln>
-                <a:solidFill>
-                  <a:srgbClr val="808080"/>
-                </a:solidFill>
-                <a:effectLst/>
-                <a:latin typeface="Courier New" panose="02070309020205020404" pitchFamily="49" charset="0"/>
-                <a:cs typeface="Courier New" panose="02070309020205020404" pitchFamily="49" charset="0"/>
-              </a:rPr>
-              <a:t>AND</a:t>
-            </a:r>
-            <a:r>
-              <a:rPr kumimoji="0" lang="zh-CN" altLang="zh-CN" sz="900" b="0" i="0" u="none" strike="noStrike" cap="none" normalizeH="0" baseline="0" dirty="0">
-                <a:ln>
-                  <a:noFill/>
-                </a:ln>
-                <a:solidFill>
-                  <a:srgbClr val="000000"/>
-                </a:solidFill>
-                <a:effectLst/>
-                <a:latin typeface="Courier New" panose="02070309020205020404" pitchFamily="49" charset="0"/>
-                <a:cs typeface="Courier New" panose="02070309020205020404" pitchFamily="49" charset="0"/>
-              </a:rPr>
-              <a:t> </a:t>
-            </a:r>
-            <a:r>
-              <a:rPr kumimoji="0" lang="zh-CN" altLang="zh-CN" sz="900" b="1" i="0" u="none" strike="noStrike" cap="none" normalizeH="0" baseline="0" dirty="0">
-                <a:ln>
-                  <a:noFill/>
-                </a:ln>
-                <a:solidFill>
-                  <a:srgbClr val="800000"/>
-                </a:solidFill>
-                <a:effectLst/>
-                <a:latin typeface="Courier New" panose="02070309020205020404" pitchFamily="49" charset="0"/>
-                <a:cs typeface="Courier New" panose="02070309020205020404" pitchFamily="49" charset="0"/>
-              </a:rPr>
-              <a:t>25</a:t>
-            </a:r>
-            <a:r>
-              <a:rPr kumimoji="0" lang="zh-CN" altLang="zh-CN" sz="900" b="0" i="0" u="none" strike="noStrike" cap="none" normalizeH="0" baseline="0" dirty="0">
-                <a:ln>
-                  <a:noFill/>
-                </a:ln>
-                <a:solidFill>
-                  <a:srgbClr val="000000"/>
-                </a:solidFill>
-                <a:effectLst/>
-                <a:latin typeface="Courier New" panose="02070309020205020404" pitchFamily="49" charset="0"/>
-                <a:cs typeface="Courier New" panose="02070309020205020404" pitchFamily="49" charset="0"/>
-              </a:rPr>
-              <a:t> </a:t>
-            </a:r>
-            <a:r>
-              <a:rPr kumimoji="0" lang="zh-CN" altLang="zh-CN" sz="900" b="0" i="0" u="none" strike="noStrike" cap="none" normalizeH="0" baseline="0" dirty="0">
-                <a:ln>
-                  <a:noFill/>
-                </a:ln>
-                <a:solidFill>
-                  <a:srgbClr val="808080"/>
-                </a:solidFill>
-                <a:effectLst/>
-                <a:latin typeface="Courier New" panose="02070309020205020404" pitchFamily="49" charset="0"/>
-                <a:cs typeface="Courier New" panose="02070309020205020404" pitchFamily="49" charset="0"/>
-              </a:rPr>
-              <a:t>&lt;</a:t>
-            </a:r>
-            <a:r>
-              <a:rPr kumimoji="0" lang="zh-CN" altLang="zh-CN" sz="900" b="0" i="0" u="none" strike="noStrike" cap="none" normalizeH="0" baseline="0" dirty="0">
-                <a:ln>
-                  <a:noFill/>
-                </a:ln>
-                <a:solidFill>
-                  <a:srgbClr val="000000"/>
-                </a:solidFill>
-                <a:effectLst/>
-                <a:latin typeface="Courier New" panose="02070309020205020404" pitchFamily="49" charset="0"/>
-                <a:cs typeface="Courier New" panose="02070309020205020404" pitchFamily="49" charset="0"/>
-              </a:rPr>
-              <a:t> (</a:t>
-            </a:r>
-            <a:r>
-              <a:rPr kumimoji="0" lang="zh-CN" altLang="zh-CN" sz="900" b="0" i="0" u="none" strike="noStrike" cap="none" normalizeH="0" baseline="0" dirty="0">
-                <a:ln>
-                  <a:noFill/>
-                </a:ln>
-                <a:solidFill>
-                  <a:srgbClr val="0000FF"/>
-                </a:solidFill>
-                <a:effectLst/>
-                <a:latin typeface="Courier New" panose="02070309020205020404" pitchFamily="49" charset="0"/>
-                <a:cs typeface="Courier New" panose="02070309020205020404" pitchFamily="49" charset="0"/>
-              </a:rPr>
-              <a:t>SELECT</a:t>
-            </a:r>
-            <a:r>
-              <a:rPr kumimoji="0" lang="zh-CN" altLang="zh-CN" sz="900" b="0" i="0" u="none" strike="noStrike" cap="none" normalizeH="0" baseline="0" dirty="0">
-                <a:ln>
-                  <a:noFill/>
-                </a:ln>
-                <a:solidFill>
-                  <a:srgbClr val="000000"/>
-                </a:solidFill>
-                <a:effectLst/>
-                <a:latin typeface="Courier New" panose="02070309020205020404" pitchFamily="49" charset="0"/>
-                <a:cs typeface="Courier New" panose="02070309020205020404" pitchFamily="49" charset="0"/>
-              </a:rPr>
-              <a:t> </a:t>
-            </a:r>
-            <a:r>
-              <a:rPr kumimoji="0" lang="zh-CN" altLang="zh-CN" sz="900" b="0" i="0" u="none" strike="noStrike" cap="none" normalizeH="0" baseline="0" dirty="0">
-                <a:ln>
-                  <a:noFill/>
-                </a:ln>
-                <a:solidFill>
-                  <a:srgbClr val="FF00FF"/>
-                </a:solidFill>
-                <a:effectLst/>
-                <a:latin typeface="Courier New" panose="02070309020205020404" pitchFamily="49" charset="0"/>
-                <a:cs typeface="Courier New" panose="02070309020205020404" pitchFamily="49" charset="0"/>
-              </a:rPr>
-              <a:t>COUNT</a:t>
-            </a:r>
-            <a:r>
-              <a:rPr kumimoji="0" lang="zh-CN" altLang="zh-CN" sz="900" b="0" i="0" u="none" strike="noStrike" cap="none" normalizeH="0" baseline="0" dirty="0">
-                <a:ln>
-                  <a:noFill/>
-                </a:ln>
-                <a:solidFill>
-                  <a:srgbClr val="000000"/>
-                </a:solidFill>
-                <a:effectLst/>
-                <a:latin typeface="Courier New" panose="02070309020205020404" pitchFamily="49" charset="0"/>
-                <a:cs typeface="Courier New" panose="02070309020205020404" pitchFamily="49" charset="0"/>
-              </a:rPr>
-              <a:t>(</a:t>
-            </a:r>
-            <a:r>
-              <a:rPr kumimoji="0" lang="zh-CN" altLang="zh-CN" sz="900" b="0" i="0" u="none" strike="noStrike" cap="none" normalizeH="0" baseline="0" dirty="0">
-                <a:ln>
-                  <a:noFill/>
-                </a:ln>
-                <a:solidFill>
-                  <a:srgbClr val="808080"/>
-                </a:solidFill>
-                <a:effectLst/>
-                <a:latin typeface="Courier New" panose="02070309020205020404" pitchFamily="49" charset="0"/>
-                <a:cs typeface="Courier New" panose="02070309020205020404" pitchFamily="49" charset="0"/>
-              </a:rPr>
-              <a:t>*</a:t>
-            </a:r>
-            <a:r>
-              <a:rPr kumimoji="0" lang="zh-CN" altLang="zh-CN" sz="900" b="0" i="0" u="none" strike="noStrike" cap="none" normalizeH="0" baseline="0" dirty="0">
-                <a:ln>
-                  <a:noFill/>
-                </a:ln>
-                <a:solidFill>
-                  <a:srgbClr val="000000"/>
-                </a:solidFill>
-                <a:effectLst/>
-                <a:latin typeface="Courier New" panose="02070309020205020404" pitchFamily="49" charset="0"/>
-                <a:cs typeface="Courier New" panose="02070309020205020404" pitchFamily="49" charset="0"/>
-              </a:rPr>
-              <a:t>) </a:t>
-            </a:r>
-            <a:r>
-              <a:rPr kumimoji="0" lang="zh-CN" altLang="zh-CN" sz="900" b="0" i="0" u="none" strike="noStrike" cap="none" normalizeH="0" baseline="0" dirty="0">
-                <a:ln>
-                  <a:noFill/>
-                </a:ln>
-                <a:solidFill>
-                  <a:srgbClr val="0000FF"/>
-                </a:solidFill>
-                <a:effectLst/>
-                <a:latin typeface="Courier New" panose="02070309020205020404" pitchFamily="49" charset="0"/>
-                <a:cs typeface="Courier New" panose="02070309020205020404" pitchFamily="49" charset="0"/>
-              </a:rPr>
-              <a:t>FROM</a:t>
-            </a:r>
-            <a:r>
-              <a:rPr kumimoji="0" lang="zh-CN" altLang="zh-CN" sz="900" b="0" i="0" u="none" strike="noStrike" cap="none" normalizeH="0" baseline="0" dirty="0">
-                <a:ln>
-                  <a:noFill/>
-                </a:ln>
-                <a:solidFill>
-                  <a:srgbClr val="000000"/>
-                </a:solidFill>
-                <a:effectLst/>
-                <a:latin typeface="Courier New" panose="02070309020205020404" pitchFamily="49" charset="0"/>
-                <a:cs typeface="Courier New" panose="02070309020205020404" pitchFamily="49" charset="0"/>
-              </a:rPr>
-              <a:t> EMP </a:t>
-            </a:r>
-            <a:r>
-              <a:rPr kumimoji="0" lang="zh-CN" altLang="zh-CN" sz="900" b="0" i="0" u="none" strike="noStrike" cap="none" normalizeH="0" baseline="0" dirty="0">
-                <a:ln>
-                  <a:noFill/>
-                </a:ln>
-                <a:solidFill>
-                  <a:srgbClr val="0000FF"/>
-                </a:solidFill>
-                <a:effectLst/>
-                <a:latin typeface="Courier New" panose="02070309020205020404" pitchFamily="49" charset="0"/>
-                <a:cs typeface="Courier New" panose="02070309020205020404" pitchFamily="49" charset="0"/>
-              </a:rPr>
-              <a:t>WHERE</a:t>
-            </a:r>
-            <a:r>
-              <a:rPr kumimoji="0" lang="zh-CN" altLang="zh-CN" sz="900" b="0" i="0" u="none" strike="noStrike" cap="none" normalizeH="0" baseline="0" dirty="0">
-                <a:ln>
-                  <a:noFill/>
-                </a:ln>
-                <a:solidFill>
-                  <a:srgbClr val="000000"/>
-                </a:solidFill>
-                <a:effectLst/>
-                <a:latin typeface="Courier New" panose="02070309020205020404" pitchFamily="49" charset="0"/>
-                <a:cs typeface="Courier New" panose="02070309020205020404" pitchFamily="49" charset="0"/>
-              </a:rPr>
-              <a:t> MGR </a:t>
-            </a:r>
-            <a:r>
-              <a:rPr kumimoji="0" lang="zh-CN" altLang="zh-CN" sz="900" b="0" i="0" u="none" strike="noStrike" cap="none" normalizeH="0" baseline="0" dirty="0">
-                <a:ln>
-                  <a:noFill/>
-                </a:ln>
-                <a:solidFill>
-                  <a:srgbClr val="808080"/>
-                </a:solidFill>
-                <a:effectLst/>
-                <a:latin typeface="Courier New" panose="02070309020205020404" pitchFamily="49" charset="0"/>
-                <a:cs typeface="Courier New" panose="02070309020205020404" pitchFamily="49" charset="0"/>
-              </a:rPr>
-              <a:t>=</a:t>
-            </a:r>
-            <a:r>
-              <a:rPr kumimoji="0" lang="zh-CN" altLang="zh-CN" sz="900" b="0" i="0" u="none" strike="noStrike" cap="none" normalizeH="0" baseline="0" dirty="0">
-                <a:ln>
-                  <a:noFill/>
-                </a:ln>
-                <a:solidFill>
-                  <a:srgbClr val="000000"/>
-                </a:solidFill>
-                <a:effectLst/>
-                <a:latin typeface="Courier New" panose="02070309020205020404" pitchFamily="49" charset="0"/>
-                <a:cs typeface="Courier New" panose="02070309020205020404" pitchFamily="49" charset="0"/>
-              </a:rPr>
-              <a:t> E.EMPNO)</a:t>
-            </a:r>
-            <a:r>
-              <a:rPr kumimoji="0" lang="zh-CN" altLang="zh-CN" sz="1100" b="0" i="0" u="none" strike="noStrike" cap="none" normalizeH="0" baseline="0" dirty="0">
-                <a:ln>
-                  <a:noFill/>
-                </a:ln>
-                <a:solidFill>
-                  <a:schemeClr val="tx1"/>
-                </a:solidFill>
-                <a:effectLst/>
-              </a:rPr>
-              <a:t> </a:t>
-            </a:r>
-            <a:endParaRPr kumimoji="0" lang="zh-CN" altLang="zh-CN" sz="1800" b="0" i="0" u="none" strike="noStrike" cap="none" normalizeH="0" baseline="0" dirty="0">
-              <a:ln>
-                <a:noFill/>
-              </a:ln>
-              <a:solidFill>
-                <a:schemeClr val="tx1"/>
-              </a:solidFill>
-              <a:effectLst/>
-              <a:latin typeface="Arial" panose="020B0604020202020204" pitchFamily="34" charset="0"/>
-            </a:endParaRPr>
-          </a:p>
-        </p:txBody>
-      </p:sp>
-      <p:sp>
-        <p:nvSpPr>
-          <p:cNvPr id="5" name="Rectangle 2">
-            <a:extLst>
-              <a:ext uri="{FF2B5EF4-FFF2-40B4-BE49-F238E27FC236}">
-                <a16:creationId xmlns:a16="http://schemas.microsoft.com/office/drawing/2014/main" id="{95F1FACF-51C3-48BD-BCE1-B236B9F3353E}"/>
-              </a:ext>
-            </a:extLst>
-          </p:cNvPr>
-          <p:cNvSpPr>
-            <a:spLocks noChangeArrowheads="1"/>
-          </p:cNvSpPr>
-          <p:nvPr/>
-        </p:nvSpPr>
-        <p:spPr bwMode="auto">
-          <a:xfrm>
-            <a:off x="1020417" y="2828511"/>
-            <a:ext cx="9803840" cy="169277"/>
-          </a:xfrm>
-          <a:prstGeom prst="rect">
-            <a:avLst/>
-          </a:prstGeom>
-          <a:noFill/>
-          <a:ln>
-            <a:noFill/>
-          </a:ln>
-          <a:effectLst/>
-          <a:extLst>
-            <a:ext uri="{909E8E84-426E-40DD-AFC4-6F175D3DCCD1}">
-              <a14:hiddenFill xmlns:a14="http://schemas.microsoft.com/office/drawing/2010/main">
-                <a:solidFill>
-                  <a:schemeClr val="accent1"/>
-                </a:solidFill>
-              </a14:hiddenFill>
-            </a:ext>
-            <a:ext uri="{91240B29-F687-4F45-9708-019B960494DF}">
-              <a14:hiddenLine xmlns:a14="http://schemas.microsoft.com/office/drawing/2010/main" w="9525">
-                <a:solidFill>
-                  <a:schemeClr val="tx1"/>
-                </a:solidFill>
-                <a:miter lim="800000"/>
-                <a:headEnd/>
-                <a:tailEnd/>
-              </a14:hiddenLine>
-            </a:ext>
-            <a:ext uri="{AF507438-7753-43E0-B8FC-AC1667EBCBE1}">
-              <a14:hiddenEffects xmlns:a14="http://schemas.microsoft.com/office/drawing/2010/main">
-                <a:effectLst>
-                  <a:outerShdw dist="35921" dir="2700000" algn="ctr" rotWithShape="0">
-                    <a:schemeClr val="bg2"/>
-                  </a:outerShdw>
-                </a:effectLst>
-              </a14:hiddenEffects>
-            </a:ext>
-          </a:extLst>
-        </p:spPr>
-        <p:txBody>
-          <a:bodyPr vert="horz" wrap="square" lIns="0" tIns="0" rIns="0" bIns="0" numCol="1" anchor="ctr" anchorCtr="0" compatLnSpc="1">
-            <a:prstTxWarp prst="textNoShape">
-              <a:avLst/>
-            </a:prstTxWarp>
-            <a:spAutoFit/>
-          </a:bodyPr>
-          <a:lstStyle/>
-          <a:p>
-            <a:pPr marL="0" marR="0" lvl="0" indent="0" algn="l" defTabSz="914400" rtl="0" eaLnBrk="0" fontAlgn="base" latinLnBrk="0" hangingPunct="0">
-              <a:lnSpc>
-                <a:spcPct val="100000"/>
-              </a:lnSpc>
-              <a:spcBef>
-                <a:spcPct val="0"/>
-              </a:spcBef>
-              <a:spcAft>
-                <a:spcPct val="0"/>
-              </a:spcAft>
-              <a:buClrTx/>
-              <a:buSzTx/>
-              <a:buFontTx/>
-              <a:buNone/>
-              <a:tabLst/>
-            </a:pPr>
-            <a:r>
-              <a:rPr kumimoji="0" lang="zh-CN" altLang="zh-CN" sz="900" b="0" i="0" u="none" strike="noStrike" cap="none" normalizeH="0" baseline="0" dirty="0">
-                <a:ln>
-                  <a:noFill/>
-                </a:ln>
-                <a:solidFill>
-                  <a:srgbClr val="008080"/>
-                </a:solidFill>
-                <a:effectLst/>
-                <a:latin typeface="Courier New" panose="02070309020205020404" pitchFamily="49" charset="0"/>
-                <a:cs typeface="Courier New" panose="02070309020205020404" pitchFamily="49" charset="0"/>
-              </a:rPr>
-              <a:t>/*高效,执行时间10.6秒*/</a:t>
-            </a:r>
-            <a:r>
-              <a:rPr kumimoji="0" lang="zh-CN" altLang="zh-CN" sz="900" b="0" i="0" u="none" strike="noStrike" cap="none" normalizeH="0" baseline="0" dirty="0">
-                <a:ln>
-                  <a:noFill/>
-                </a:ln>
-                <a:solidFill>
-                  <a:srgbClr val="000000"/>
-                </a:solidFill>
-                <a:effectLst/>
-                <a:latin typeface="Courier New" panose="02070309020205020404" pitchFamily="49" charset="0"/>
-                <a:cs typeface="Courier New" panose="02070309020205020404" pitchFamily="49" charset="0"/>
-              </a:rPr>
-              <a:t> </a:t>
-            </a:r>
-            <a:r>
-              <a:rPr kumimoji="0" lang="zh-CN" altLang="zh-CN" sz="900" b="0" i="0" u="none" strike="noStrike" cap="none" normalizeH="0" baseline="0" dirty="0">
-                <a:ln>
-                  <a:noFill/>
-                </a:ln>
-                <a:solidFill>
-                  <a:srgbClr val="0000FF"/>
-                </a:solidFill>
-                <a:effectLst/>
-                <a:latin typeface="Courier New" panose="02070309020205020404" pitchFamily="49" charset="0"/>
-                <a:cs typeface="Courier New" panose="02070309020205020404" pitchFamily="49" charset="0"/>
-              </a:rPr>
-              <a:t>SELECT</a:t>
-            </a:r>
-            <a:r>
-              <a:rPr kumimoji="0" lang="zh-CN" altLang="zh-CN" sz="900" b="0" i="0" u="none" strike="noStrike" cap="none" normalizeH="0" baseline="0" dirty="0">
-                <a:ln>
-                  <a:noFill/>
-                </a:ln>
-                <a:solidFill>
-                  <a:srgbClr val="000000"/>
-                </a:solidFill>
-                <a:effectLst/>
-                <a:latin typeface="Courier New" panose="02070309020205020404" pitchFamily="49" charset="0"/>
-                <a:cs typeface="Courier New" panose="02070309020205020404" pitchFamily="49" charset="0"/>
-              </a:rPr>
-              <a:t> … </a:t>
-            </a:r>
-            <a:r>
-              <a:rPr kumimoji="0" lang="zh-CN" altLang="zh-CN" sz="900" b="0" i="0" u="none" strike="noStrike" cap="none" normalizeH="0" baseline="0" dirty="0">
-                <a:ln>
-                  <a:noFill/>
-                </a:ln>
-                <a:solidFill>
-                  <a:srgbClr val="0000FF"/>
-                </a:solidFill>
-                <a:effectLst/>
-                <a:latin typeface="Courier New" panose="02070309020205020404" pitchFamily="49" charset="0"/>
-                <a:cs typeface="Courier New" panose="02070309020205020404" pitchFamily="49" charset="0"/>
-              </a:rPr>
-              <a:t>FROM</a:t>
-            </a:r>
-            <a:r>
-              <a:rPr kumimoji="0" lang="zh-CN" altLang="zh-CN" sz="900" b="0" i="0" u="none" strike="noStrike" cap="none" normalizeH="0" baseline="0" dirty="0">
-                <a:ln>
-                  <a:noFill/>
-                </a:ln>
-                <a:solidFill>
-                  <a:srgbClr val="000000"/>
-                </a:solidFill>
-                <a:effectLst/>
-                <a:latin typeface="Courier New" panose="02070309020205020404" pitchFamily="49" charset="0"/>
-                <a:cs typeface="Courier New" panose="02070309020205020404" pitchFamily="49" charset="0"/>
-              </a:rPr>
-              <a:t> EMP E </a:t>
-            </a:r>
-            <a:r>
-              <a:rPr kumimoji="0" lang="zh-CN" altLang="zh-CN" sz="900" b="0" i="0" u="none" strike="noStrike" cap="none" normalizeH="0" baseline="0" dirty="0">
-                <a:ln>
-                  <a:noFill/>
-                </a:ln>
-                <a:solidFill>
-                  <a:srgbClr val="0000FF"/>
-                </a:solidFill>
-                <a:effectLst/>
-                <a:latin typeface="Courier New" panose="02070309020205020404" pitchFamily="49" charset="0"/>
-                <a:cs typeface="Courier New" panose="02070309020205020404" pitchFamily="49" charset="0"/>
-              </a:rPr>
-              <a:t>WHERE</a:t>
-            </a:r>
-            <a:r>
-              <a:rPr kumimoji="0" lang="zh-CN" altLang="zh-CN" sz="900" b="0" i="0" u="none" strike="noStrike" cap="none" normalizeH="0" baseline="0" dirty="0">
-                <a:ln>
-                  <a:noFill/>
-                </a:ln>
-                <a:solidFill>
-                  <a:srgbClr val="000000"/>
-                </a:solidFill>
-                <a:effectLst/>
-                <a:latin typeface="Courier New" panose="02070309020205020404" pitchFamily="49" charset="0"/>
-                <a:cs typeface="Courier New" panose="02070309020205020404" pitchFamily="49" charset="0"/>
-              </a:rPr>
-              <a:t> </a:t>
-            </a:r>
-            <a:r>
-              <a:rPr kumimoji="0" lang="zh-CN" altLang="zh-CN" sz="900" b="1" i="0" u="none" strike="noStrike" cap="none" normalizeH="0" baseline="0" dirty="0">
-                <a:ln>
-                  <a:noFill/>
-                </a:ln>
-                <a:solidFill>
-                  <a:srgbClr val="800000"/>
-                </a:solidFill>
-                <a:effectLst/>
-                <a:latin typeface="Courier New" panose="02070309020205020404" pitchFamily="49" charset="0"/>
-                <a:cs typeface="Courier New" panose="02070309020205020404" pitchFamily="49" charset="0"/>
-              </a:rPr>
-              <a:t>25</a:t>
-            </a:r>
-            <a:r>
-              <a:rPr kumimoji="0" lang="zh-CN" altLang="zh-CN" sz="900" b="0" i="0" u="none" strike="noStrike" cap="none" normalizeH="0" baseline="0" dirty="0">
-                <a:ln>
-                  <a:noFill/>
-                </a:ln>
-                <a:solidFill>
-                  <a:srgbClr val="000000"/>
-                </a:solidFill>
-                <a:effectLst/>
-                <a:latin typeface="Courier New" panose="02070309020205020404" pitchFamily="49" charset="0"/>
-                <a:cs typeface="Courier New" panose="02070309020205020404" pitchFamily="49" charset="0"/>
-              </a:rPr>
-              <a:t> </a:t>
-            </a:r>
-            <a:r>
-              <a:rPr kumimoji="0" lang="zh-CN" altLang="zh-CN" sz="900" b="0" i="0" u="none" strike="noStrike" cap="none" normalizeH="0" baseline="0" dirty="0">
-                <a:ln>
-                  <a:noFill/>
-                </a:ln>
-                <a:solidFill>
-                  <a:srgbClr val="808080"/>
-                </a:solidFill>
-                <a:effectLst/>
-                <a:latin typeface="Courier New" panose="02070309020205020404" pitchFamily="49" charset="0"/>
-                <a:cs typeface="Courier New" panose="02070309020205020404" pitchFamily="49" charset="0"/>
-              </a:rPr>
-              <a:t>&lt;</a:t>
-            </a:r>
-            <a:r>
-              <a:rPr kumimoji="0" lang="zh-CN" altLang="zh-CN" sz="900" b="0" i="0" u="none" strike="noStrike" cap="none" normalizeH="0" baseline="0" dirty="0">
-                <a:ln>
-                  <a:noFill/>
-                </a:ln>
-                <a:solidFill>
-                  <a:srgbClr val="000000"/>
-                </a:solidFill>
-                <a:effectLst/>
-                <a:latin typeface="Courier New" panose="02070309020205020404" pitchFamily="49" charset="0"/>
-                <a:cs typeface="Courier New" panose="02070309020205020404" pitchFamily="49" charset="0"/>
-              </a:rPr>
-              <a:t> (</a:t>
-            </a:r>
-            <a:r>
-              <a:rPr kumimoji="0" lang="zh-CN" altLang="zh-CN" sz="900" b="0" i="0" u="none" strike="noStrike" cap="none" normalizeH="0" baseline="0" dirty="0">
-                <a:ln>
-                  <a:noFill/>
-                </a:ln>
-                <a:solidFill>
-                  <a:srgbClr val="0000FF"/>
-                </a:solidFill>
-                <a:effectLst/>
-                <a:latin typeface="Courier New" panose="02070309020205020404" pitchFamily="49" charset="0"/>
-                <a:cs typeface="Courier New" panose="02070309020205020404" pitchFamily="49" charset="0"/>
-              </a:rPr>
-              <a:t>SELECT</a:t>
-            </a:r>
-            <a:r>
-              <a:rPr kumimoji="0" lang="zh-CN" altLang="zh-CN" sz="900" b="0" i="0" u="none" strike="noStrike" cap="none" normalizeH="0" baseline="0" dirty="0">
-                <a:ln>
-                  <a:noFill/>
-                </a:ln>
-                <a:solidFill>
-                  <a:srgbClr val="000000"/>
-                </a:solidFill>
-                <a:effectLst/>
-                <a:latin typeface="Courier New" panose="02070309020205020404" pitchFamily="49" charset="0"/>
-                <a:cs typeface="Courier New" panose="02070309020205020404" pitchFamily="49" charset="0"/>
-              </a:rPr>
-              <a:t> </a:t>
-            </a:r>
-            <a:r>
-              <a:rPr kumimoji="0" lang="zh-CN" altLang="zh-CN" sz="900" b="0" i="0" u="none" strike="noStrike" cap="none" normalizeH="0" baseline="0" dirty="0">
-                <a:ln>
-                  <a:noFill/>
-                </a:ln>
-                <a:solidFill>
-                  <a:srgbClr val="FF00FF"/>
-                </a:solidFill>
-                <a:effectLst/>
-                <a:latin typeface="Courier New" panose="02070309020205020404" pitchFamily="49" charset="0"/>
-                <a:cs typeface="Courier New" panose="02070309020205020404" pitchFamily="49" charset="0"/>
-              </a:rPr>
-              <a:t>COUNT</a:t>
-            </a:r>
-            <a:r>
-              <a:rPr kumimoji="0" lang="zh-CN" altLang="zh-CN" sz="900" b="0" i="0" u="none" strike="noStrike" cap="none" normalizeH="0" baseline="0" dirty="0">
-                <a:ln>
-                  <a:noFill/>
-                </a:ln>
-                <a:solidFill>
-                  <a:srgbClr val="000000"/>
-                </a:solidFill>
-                <a:effectLst/>
-                <a:latin typeface="Courier New" panose="02070309020205020404" pitchFamily="49" charset="0"/>
-                <a:cs typeface="Courier New" panose="02070309020205020404" pitchFamily="49" charset="0"/>
-              </a:rPr>
-              <a:t>(</a:t>
-            </a:r>
-            <a:r>
-              <a:rPr kumimoji="0" lang="zh-CN" altLang="zh-CN" sz="900" b="0" i="0" u="none" strike="noStrike" cap="none" normalizeH="0" baseline="0" dirty="0">
-                <a:ln>
-                  <a:noFill/>
-                </a:ln>
-                <a:solidFill>
-                  <a:srgbClr val="808080"/>
-                </a:solidFill>
-                <a:effectLst/>
-                <a:latin typeface="Courier New" panose="02070309020205020404" pitchFamily="49" charset="0"/>
-                <a:cs typeface="Courier New" panose="02070309020205020404" pitchFamily="49" charset="0"/>
-              </a:rPr>
-              <a:t>*</a:t>
-            </a:r>
-            <a:r>
-              <a:rPr kumimoji="0" lang="zh-CN" altLang="zh-CN" sz="900" b="0" i="0" u="none" strike="noStrike" cap="none" normalizeH="0" baseline="0" dirty="0">
-                <a:ln>
-                  <a:noFill/>
-                </a:ln>
-                <a:solidFill>
-                  <a:srgbClr val="000000"/>
-                </a:solidFill>
-                <a:effectLst/>
-                <a:latin typeface="Courier New" panose="02070309020205020404" pitchFamily="49" charset="0"/>
-                <a:cs typeface="Courier New" panose="02070309020205020404" pitchFamily="49" charset="0"/>
-              </a:rPr>
-              <a:t>) </a:t>
-            </a:r>
-            <a:r>
-              <a:rPr kumimoji="0" lang="zh-CN" altLang="zh-CN" sz="900" b="0" i="0" u="none" strike="noStrike" cap="none" normalizeH="0" baseline="0" dirty="0">
-                <a:ln>
-                  <a:noFill/>
-                </a:ln>
-                <a:solidFill>
-                  <a:srgbClr val="0000FF"/>
-                </a:solidFill>
-                <a:effectLst/>
-                <a:latin typeface="Courier New" panose="02070309020205020404" pitchFamily="49" charset="0"/>
-                <a:cs typeface="Courier New" panose="02070309020205020404" pitchFamily="49" charset="0"/>
-              </a:rPr>
-              <a:t>FROM</a:t>
-            </a:r>
-            <a:r>
-              <a:rPr kumimoji="0" lang="zh-CN" altLang="zh-CN" sz="900" b="0" i="0" u="none" strike="noStrike" cap="none" normalizeH="0" baseline="0" dirty="0">
-                <a:ln>
-                  <a:noFill/>
-                </a:ln>
-                <a:solidFill>
-                  <a:srgbClr val="000000"/>
-                </a:solidFill>
-                <a:effectLst/>
-                <a:latin typeface="Courier New" panose="02070309020205020404" pitchFamily="49" charset="0"/>
-                <a:cs typeface="Courier New" panose="02070309020205020404" pitchFamily="49" charset="0"/>
-              </a:rPr>
-              <a:t> EMP </a:t>
-            </a:r>
-            <a:r>
-              <a:rPr kumimoji="0" lang="zh-CN" altLang="zh-CN" sz="900" b="0" i="0" u="none" strike="noStrike" cap="none" normalizeH="0" baseline="0" dirty="0">
-                <a:ln>
-                  <a:noFill/>
-                </a:ln>
-                <a:solidFill>
-                  <a:srgbClr val="0000FF"/>
-                </a:solidFill>
-                <a:effectLst/>
-                <a:latin typeface="Courier New" panose="02070309020205020404" pitchFamily="49" charset="0"/>
-                <a:cs typeface="Courier New" panose="02070309020205020404" pitchFamily="49" charset="0"/>
-              </a:rPr>
-              <a:t>WHERE</a:t>
-            </a:r>
-            <a:r>
-              <a:rPr kumimoji="0" lang="zh-CN" altLang="zh-CN" sz="900" b="0" i="0" u="none" strike="noStrike" cap="none" normalizeH="0" baseline="0" dirty="0">
-                <a:ln>
-                  <a:noFill/>
-                </a:ln>
-                <a:solidFill>
-                  <a:srgbClr val="000000"/>
-                </a:solidFill>
-                <a:effectLst/>
-                <a:latin typeface="Courier New" panose="02070309020205020404" pitchFamily="49" charset="0"/>
-                <a:cs typeface="Courier New" panose="02070309020205020404" pitchFamily="49" charset="0"/>
-              </a:rPr>
-              <a:t> MGR</a:t>
-            </a:r>
-            <a:r>
-              <a:rPr kumimoji="0" lang="zh-CN" altLang="zh-CN" sz="900" b="0" i="0" u="none" strike="noStrike" cap="none" normalizeH="0" baseline="0" dirty="0">
-                <a:ln>
-                  <a:noFill/>
-                </a:ln>
-                <a:solidFill>
-                  <a:srgbClr val="808080"/>
-                </a:solidFill>
-                <a:effectLst/>
-                <a:latin typeface="Courier New" panose="02070309020205020404" pitchFamily="49" charset="0"/>
-                <a:cs typeface="Courier New" panose="02070309020205020404" pitchFamily="49" charset="0"/>
-              </a:rPr>
-              <a:t>=</a:t>
-            </a:r>
-            <a:r>
-              <a:rPr kumimoji="0" lang="zh-CN" altLang="zh-CN" sz="900" b="0" i="0" u="none" strike="noStrike" cap="none" normalizeH="0" baseline="0" dirty="0">
-                <a:ln>
-                  <a:noFill/>
-                </a:ln>
-                <a:solidFill>
-                  <a:srgbClr val="000000"/>
-                </a:solidFill>
-                <a:effectLst/>
-                <a:latin typeface="Courier New" panose="02070309020205020404" pitchFamily="49" charset="0"/>
-                <a:cs typeface="Courier New" panose="02070309020205020404" pitchFamily="49" charset="0"/>
-              </a:rPr>
-              <a:t>E.EMPNO) </a:t>
-            </a:r>
-            <a:r>
-              <a:rPr kumimoji="0" lang="zh-CN" altLang="zh-CN" sz="900" b="0" i="0" u="none" strike="noStrike" cap="none" normalizeH="0" baseline="0" dirty="0">
-                <a:ln>
-                  <a:noFill/>
-                </a:ln>
-                <a:solidFill>
-                  <a:srgbClr val="808080"/>
-                </a:solidFill>
-                <a:effectLst/>
-                <a:latin typeface="Courier New" panose="02070309020205020404" pitchFamily="49" charset="0"/>
-                <a:cs typeface="Courier New" panose="02070309020205020404" pitchFamily="49" charset="0"/>
-              </a:rPr>
-              <a:t>AND</a:t>
-            </a:r>
-            <a:r>
-              <a:rPr kumimoji="0" lang="zh-CN" altLang="zh-CN" sz="900" b="0" i="0" u="none" strike="noStrike" cap="none" normalizeH="0" baseline="0" dirty="0">
-                <a:ln>
-                  <a:noFill/>
-                </a:ln>
-                <a:solidFill>
-                  <a:srgbClr val="000000"/>
-                </a:solidFill>
-                <a:effectLst/>
-                <a:latin typeface="Courier New" panose="02070309020205020404" pitchFamily="49" charset="0"/>
-                <a:cs typeface="Courier New" panose="02070309020205020404" pitchFamily="49" charset="0"/>
-              </a:rPr>
-              <a:t> SAL </a:t>
-            </a:r>
-            <a:r>
-              <a:rPr kumimoji="0" lang="zh-CN" altLang="zh-CN" sz="900" b="0" i="0" u="none" strike="noStrike" cap="none" normalizeH="0" baseline="0" dirty="0">
-                <a:ln>
-                  <a:noFill/>
-                </a:ln>
-                <a:solidFill>
-                  <a:srgbClr val="808080"/>
-                </a:solidFill>
-                <a:effectLst/>
-                <a:latin typeface="Courier New" panose="02070309020205020404" pitchFamily="49" charset="0"/>
-                <a:cs typeface="Courier New" panose="02070309020205020404" pitchFamily="49" charset="0"/>
-              </a:rPr>
-              <a:t>&gt;</a:t>
-            </a:r>
-            <a:r>
-              <a:rPr kumimoji="0" lang="zh-CN" altLang="zh-CN" sz="900" b="0" i="0" u="none" strike="noStrike" cap="none" normalizeH="0" baseline="0" dirty="0">
-                <a:ln>
-                  <a:noFill/>
-                </a:ln>
-                <a:solidFill>
-                  <a:srgbClr val="000000"/>
-                </a:solidFill>
-                <a:effectLst/>
-                <a:latin typeface="Courier New" panose="02070309020205020404" pitchFamily="49" charset="0"/>
-                <a:cs typeface="Courier New" panose="02070309020205020404" pitchFamily="49" charset="0"/>
-              </a:rPr>
-              <a:t> </a:t>
-            </a:r>
-            <a:r>
-              <a:rPr kumimoji="0" lang="zh-CN" altLang="zh-CN" sz="900" b="1" i="0" u="none" strike="noStrike" cap="none" normalizeH="0" baseline="0" dirty="0">
-                <a:ln>
-                  <a:noFill/>
-                </a:ln>
-                <a:solidFill>
-                  <a:srgbClr val="800000"/>
-                </a:solidFill>
-                <a:effectLst/>
-                <a:latin typeface="Courier New" panose="02070309020205020404" pitchFamily="49" charset="0"/>
-                <a:cs typeface="Courier New" panose="02070309020205020404" pitchFamily="49" charset="0"/>
-              </a:rPr>
-              <a:t>50000</a:t>
-            </a:r>
-            <a:r>
-              <a:rPr kumimoji="0" lang="zh-CN" altLang="zh-CN" sz="900" b="0" i="0" u="none" strike="noStrike" cap="none" normalizeH="0" baseline="0" dirty="0">
-                <a:ln>
-                  <a:noFill/>
-                </a:ln>
-                <a:solidFill>
-                  <a:srgbClr val="000000"/>
-                </a:solidFill>
-                <a:effectLst/>
-                <a:latin typeface="Courier New" panose="02070309020205020404" pitchFamily="49" charset="0"/>
-                <a:cs typeface="Courier New" panose="02070309020205020404" pitchFamily="49" charset="0"/>
-              </a:rPr>
-              <a:t> </a:t>
-            </a:r>
-            <a:r>
-              <a:rPr kumimoji="0" lang="zh-CN" altLang="zh-CN" sz="900" b="0" i="0" u="none" strike="noStrike" cap="none" normalizeH="0" baseline="0" dirty="0">
-                <a:ln>
-                  <a:noFill/>
-                </a:ln>
-                <a:solidFill>
-                  <a:srgbClr val="808080"/>
-                </a:solidFill>
-                <a:effectLst/>
-                <a:latin typeface="Courier New" panose="02070309020205020404" pitchFamily="49" charset="0"/>
-                <a:cs typeface="Courier New" panose="02070309020205020404" pitchFamily="49" charset="0"/>
-              </a:rPr>
-              <a:t>AND</a:t>
-            </a:r>
-            <a:r>
-              <a:rPr kumimoji="0" lang="zh-CN" altLang="zh-CN" sz="900" b="0" i="0" u="none" strike="noStrike" cap="none" normalizeH="0" baseline="0" dirty="0">
-                <a:ln>
-                  <a:noFill/>
-                </a:ln>
-                <a:solidFill>
-                  <a:srgbClr val="000000"/>
-                </a:solidFill>
-                <a:effectLst/>
-                <a:latin typeface="Courier New" panose="02070309020205020404" pitchFamily="49" charset="0"/>
-                <a:cs typeface="Courier New" panose="02070309020205020404" pitchFamily="49" charset="0"/>
-              </a:rPr>
-              <a:t> JOB </a:t>
-            </a:r>
-            <a:r>
-              <a:rPr kumimoji="0" lang="zh-CN" altLang="zh-CN" sz="900" b="0" i="0" u="none" strike="noStrike" cap="none" normalizeH="0" baseline="0" dirty="0">
-                <a:ln>
-                  <a:noFill/>
-                </a:ln>
-                <a:solidFill>
-                  <a:srgbClr val="808080"/>
-                </a:solidFill>
-                <a:effectLst/>
-                <a:latin typeface="Courier New" panose="02070309020205020404" pitchFamily="49" charset="0"/>
-                <a:cs typeface="Courier New" panose="02070309020205020404" pitchFamily="49" charset="0"/>
-              </a:rPr>
-              <a:t>=</a:t>
-            </a:r>
-            <a:r>
-              <a:rPr kumimoji="0" lang="zh-CN" altLang="zh-CN" sz="900" b="0" i="0" u="none" strike="noStrike" cap="none" normalizeH="0" baseline="0" dirty="0">
-                <a:ln>
-                  <a:noFill/>
-                </a:ln>
-                <a:solidFill>
-                  <a:srgbClr val="000000"/>
-                </a:solidFill>
-                <a:effectLst/>
-                <a:latin typeface="Courier New" panose="02070309020205020404" pitchFamily="49" charset="0"/>
-                <a:cs typeface="Courier New" panose="02070309020205020404" pitchFamily="49" charset="0"/>
-              </a:rPr>
-              <a:t> ‘MANAGER’</a:t>
-            </a:r>
-            <a:r>
-              <a:rPr kumimoji="0" lang="zh-CN" altLang="zh-CN" sz="1100" b="0" i="0" u="none" strike="noStrike" cap="none" normalizeH="0" baseline="0" dirty="0">
-                <a:ln>
-                  <a:noFill/>
-                </a:ln>
-                <a:solidFill>
-                  <a:schemeClr val="tx1"/>
-                </a:solidFill>
-                <a:effectLst/>
-              </a:rPr>
-              <a:t> </a:t>
-            </a:r>
-            <a:endParaRPr kumimoji="0" lang="zh-CN" altLang="zh-CN" sz="1800" b="0" i="0" u="none" strike="noStrike" cap="none" normalizeH="0" baseline="0" dirty="0">
-              <a:ln>
-                <a:noFill/>
-              </a:ln>
-              <a:solidFill>
-                <a:schemeClr val="tx1"/>
-              </a:solidFill>
-              <a:effectLst/>
-              <a:latin typeface="Arial" panose="020B0604020202020204" pitchFamily="34" charset="0"/>
-            </a:endParaRPr>
           </a:p>
         </p:txBody>
       </p:sp>
@@ -5528,13 +4419,13 @@
   <p:clrMapOvr>
     <a:masterClrMapping/>
   </p:clrMapOvr>
-  <mc:AlternateContent xmlns:mc="http://schemas.openxmlformats.org/markup-compatibility/2006">
-    <mc:Choice xmlns:p14="http://schemas.microsoft.com/office/powerpoint/2010/main" Requires="p14">
+  <mc:AlternateContent xmlns:mc="http://schemas.openxmlformats.org/markup-compatibility/2006" xmlns:p14="http://schemas.microsoft.com/office/powerpoint/2010/main">
+    <mc:Choice Requires="p14">
       <p:transition spd="slow" p14:dur="1500">
         <p:split orient="vert"/>
       </p:transition>
     </mc:Choice>
-    <mc:Fallback>
+    <mc:Fallback xmlns="">
       <p:transition spd="slow">
         <p:split orient="vert"/>
       </p:transition>
@@ -5787,13 +4678,13 @@
   <p:clrMapOvr>
     <a:masterClrMapping/>
   </p:clrMapOvr>
-  <mc:AlternateContent xmlns:mc="http://schemas.openxmlformats.org/markup-compatibility/2006">
-    <mc:Choice xmlns:p159="http://schemas.microsoft.com/office/powerpoint/2015/09/main" Requires="p159">
+  <mc:AlternateContent xmlns:mc="http://schemas.openxmlformats.org/markup-compatibility/2006" xmlns:p159="http://schemas.microsoft.com/office/powerpoint/2015/09/main">
+    <mc:Choice Requires="p159">
       <p:transition xmlns:p14="http://schemas.microsoft.com/office/powerpoint/2010/main" spd="slow" p14:dur="2000">
         <p159:morph option="byObject"/>
       </p:transition>
     </mc:Choice>
-    <mc:Fallback>
+    <mc:Fallback xmlns="">
       <p:transition spd="slow">
         <p:fade/>
       </p:transition>
@@ -6015,7 +4906,7 @@
           <p:cNvPr id="3" name="内容占位符 2">
             <a:extLst>
               <a:ext uri="{FF2B5EF4-FFF2-40B4-BE49-F238E27FC236}">
-                <a16:creationId xmlns:a16="http://schemas.microsoft.com/office/drawing/2014/main" id="{19225AF2-8DB3-49FE-8340-FE3815935A1B}"/>
+                <a16:creationId xmlns:a16="http://schemas.microsoft.com/office/drawing/2014/main" id="{C8FE1BED-7B4B-4446-95C9-08D068DE17B9}"/>
               </a:ext>
             </a:extLst>
           </p:cNvPr>
@@ -6028,360 +4919,281 @@
         </p:nvSpPr>
         <p:spPr>
           <a:xfrm>
-            <a:off x="745587" y="858128"/>
-            <a:ext cx="11282289" cy="5999871"/>
+            <a:off x="516835" y="278296"/>
+            <a:ext cx="10836965" cy="5898667"/>
           </a:xfrm>
         </p:spPr>
         <p:txBody>
-          <a:bodyPr>
-            <a:normAutofit fontScale="92500"/>
-          </a:bodyPr>
+          <a:bodyPr/>
           <a:lstStyle/>
           <a:p>
-            <a:r>
-              <a:rPr lang="zh-CN" altLang="en-US" dirty="0"/>
-              <a:t>基于成本的优化器</a:t>
-            </a:r>
-            <a:endParaRPr lang="en-US" altLang="zh-CN" dirty="0"/>
-          </a:p>
-          <a:p>
             <a:pPr marL="457200" lvl="1" indent="0">
               <a:buNone/>
             </a:pPr>
             <a:r>
-              <a:rPr lang="en-US" altLang="zh-CN" dirty="0"/>
-              <a:t>	CBO</a:t>
-            </a:r>
-            <a:r>
-              <a:rPr lang="zh-CN" altLang="en-US" dirty="0"/>
-              <a:t>选择执行计划时，以目标</a:t>
-            </a:r>
-            <a:r>
-              <a:rPr lang="en-US" altLang="zh-CN" dirty="0"/>
+              <a:rPr lang="zh-CN" altLang="en-US" sz="2200" dirty="0"/>
+              <a:t>访问路径</a:t>
+            </a:r>
+            <a:r>
+              <a:rPr lang="en-US" altLang="zh-CN" sz="2200" dirty="0"/>
+              <a:t>:</a:t>
+            </a:r>
+            <a:r>
+              <a:rPr lang="zh-CN" altLang="en-US" sz="2200" dirty="0"/>
+              <a:t>指</a:t>
+            </a:r>
+            <a:r>
+              <a:rPr lang="en-US" altLang="zh-CN" sz="2200" dirty="0"/>
               <a:t>SQL</a:t>
             </a:r>
             <a:r>
-              <a:rPr lang="zh-CN" altLang="en-US" dirty="0"/>
-              <a:t>成本为判断原则，</a:t>
-            </a:r>
-            <a:r>
-              <a:rPr lang="en-US" altLang="zh-CN" dirty="0"/>
+              <a:rPr lang="zh-CN" altLang="en-US" sz="2200" dirty="0"/>
+              <a:t>语句中数据库对象的访问方式。根据访问对象的不同，可以分为表访问路径，索引访问路径等。是影响执行计划整体性能的主要因素。</a:t>
+            </a:r>
+            <a:endParaRPr lang="en-US" altLang="zh-CN" sz="2200" dirty="0"/>
+          </a:p>
+          <a:p>
+            <a:pPr marL="457200" lvl="1" indent="0">
+              <a:buNone/>
+            </a:pPr>
+            <a:r>
+              <a:rPr lang="zh-CN" altLang="en-US" sz="2200" dirty="0"/>
+              <a:t>统计信息</a:t>
+            </a:r>
+            <a:r>
+              <a:rPr lang="en-US" altLang="zh-CN" sz="2200" dirty="0"/>
+              <a:t>:</a:t>
+            </a:r>
+            <a:r>
+              <a:rPr lang="zh-CN" altLang="en-US" sz="2200" dirty="0"/>
+              <a:t>描述数据库中表，索引的大小，规模，数据分布状况等的一类信息。例如，表的行数，块数，平均每行的大小，索引字段的行数等，都属于统计信息。</a:t>
+            </a:r>
+            <a:r>
+              <a:rPr lang="en-US" altLang="zh-CN" sz="2200" dirty="0"/>
               <a:t>CBO</a:t>
             </a:r>
             <a:r>
-              <a:rPr lang="zh-CN" altLang="en-US" dirty="0"/>
-              <a:t>会选择一条执行成本最小的执行计划作为</a:t>
-            </a:r>
-            <a:r>
-              <a:rPr lang="en-US" altLang="zh-CN" dirty="0"/>
+              <a:rPr lang="zh-CN" altLang="en-US" sz="2200" dirty="0"/>
+              <a:t>正是根据这些统计信息数据，计算出不同访问路径下，不同</a:t>
+            </a:r>
+            <a:r>
+              <a:rPr lang="en-US" altLang="zh-CN" sz="2200" dirty="0"/>
+              <a:t>join </a:t>
+            </a:r>
+            <a:r>
+              <a:rPr lang="zh-CN" altLang="en-US" sz="2200" dirty="0"/>
+              <a:t>方式下，各种计划的成本，最后选择出成本最小的计划。</a:t>
+            </a:r>
+            <a:endParaRPr lang="en-US" altLang="zh-CN" sz="2200" dirty="0"/>
+          </a:p>
+          <a:p>
+            <a:pPr marL="457200" lvl="1" indent="0">
+              <a:buNone/>
+            </a:pPr>
+            <a:endParaRPr lang="en-US" altLang="zh-CN" sz="2200" dirty="0"/>
+          </a:p>
+          <a:p>
+            <a:pPr marL="457200" lvl="1" indent="0">
+              <a:buNone/>
+            </a:pPr>
+            <a:r>
+              <a:rPr lang="zh-CN" altLang="en-US" sz="2200" dirty="0"/>
+              <a:t>需要注意的是</a:t>
+            </a:r>
+            <a:r>
+              <a:rPr lang="en-US" altLang="zh-CN" sz="2200" dirty="0"/>
+              <a:t>,</a:t>
+            </a:r>
+            <a:r>
+              <a:rPr lang="zh-CN" altLang="en-US" sz="2200" dirty="0"/>
+              <a:t>随着</a:t>
+            </a:r>
+            <a:r>
+              <a:rPr lang="en-US" altLang="zh-CN" sz="2200" dirty="0"/>
+              <a:t>oracle</a:t>
+            </a:r>
+            <a:r>
+              <a:rPr lang="zh-CN" altLang="en-US" sz="2200" dirty="0"/>
+              <a:t>版本不断演变</a:t>
+            </a:r>
+            <a:r>
+              <a:rPr lang="en-US" altLang="zh-CN" sz="2200" dirty="0"/>
+              <a:t>,CBO</a:t>
+            </a:r>
+            <a:r>
+              <a:rPr lang="zh-CN" altLang="en-US" sz="2200" dirty="0"/>
+              <a:t>优化器越来越智能</a:t>
+            </a:r>
+            <a:r>
+              <a:rPr lang="en-US" altLang="zh-CN" sz="2200" dirty="0"/>
+              <a:t>,</a:t>
+            </a:r>
+            <a:r>
+              <a:rPr lang="zh-CN" altLang="en-US" sz="2200" dirty="0"/>
+              <a:t>但是仍然有些特殊情况会导致产生较差的执行过程</a:t>
+            </a:r>
+            <a:r>
+              <a:rPr lang="en-US" altLang="zh-CN" sz="2200" dirty="0"/>
+              <a:t>.</a:t>
+            </a:r>
+          </a:p>
+          <a:p>
+            <a:pPr marL="457200" lvl="1" indent="0">
+              <a:buNone/>
+            </a:pPr>
+            <a:r>
+              <a:rPr lang="en-US" altLang="zh-CN" sz="2200" dirty="0"/>
+              <a:t>	</a:t>
+            </a:r>
+            <a:r>
+              <a:rPr lang="zh-CN" altLang="en-US" sz="2200" dirty="0"/>
+              <a:t>例如 </a:t>
+            </a:r>
+            <a:r>
+              <a:rPr lang="en-US" altLang="zh-CN" sz="2200" dirty="0"/>
               <a:t>SQL</a:t>
             </a:r>
             <a:r>
-              <a:rPr lang="zh-CN" altLang="en-US" dirty="0"/>
-              <a:t>的执行计划，各条执行路径的成本通过目标</a:t>
-            </a:r>
-            <a:r>
-              <a:rPr lang="en-US" altLang="zh-CN" dirty="0"/>
+              <a:rPr lang="zh-CN" altLang="en-US" sz="2200" dirty="0"/>
+              <a:t>无关性</a:t>
+            </a:r>
+            <a:r>
+              <a:rPr lang="en-US" altLang="zh-CN" sz="2200" dirty="0"/>
+              <a:t>,CBO</a:t>
+            </a:r>
+            <a:r>
+              <a:rPr lang="zh-CN" altLang="en-US" sz="2200" dirty="0"/>
+              <a:t>认为</a:t>
+            </a:r>
+            <a:r>
+              <a:rPr lang="en-US" altLang="zh-CN" sz="2200" dirty="0"/>
               <a:t>SQL</a:t>
             </a:r>
             <a:r>
-              <a:rPr lang="zh-CN" altLang="en-US" dirty="0"/>
-              <a:t>语句所涉及的表、索引、列等的统计信这里的成本是</a:t>
-            </a:r>
-            <a:r>
-              <a:rPr lang="en-US" altLang="zh-CN" dirty="0"/>
-              <a:t>oracle</a:t>
-            </a:r>
-            <a:r>
-              <a:rPr lang="zh-CN" altLang="en-US" dirty="0"/>
-              <a:t>通过相关对象的统计信息计算出来的一个值，它实际上代表目标</a:t>
-            </a:r>
-            <a:r>
-              <a:rPr lang="en-US" altLang="zh-CN" dirty="0"/>
+              <a:rPr lang="zh-CN" altLang="en-US" sz="2200" dirty="0"/>
+              <a:t>语句运行都是独立的，之间没有任何关系</a:t>
+            </a:r>
+            <a:r>
+              <a:rPr lang="en-US" altLang="zh-CN" sz="2200" dirty="0"/>
+              <a:t>,</a:t>
+            </a:r>
+            <a:r>
+              <a:rPr lang="zh-CN" altLang="en-US" sz="2200" dirty="0"/>
+              <a:t>但是实际运行可能是有关联的</a:t>
+            </a:r>
+            <a:r>
+              <a:rPr lang="en-US" altLang="zh-CN" sz="2200" dirty="0"/>
+              <a:t>,</a:t>
+            </a:r>
+            <a:r>
+              <a:rPr lang="zh-CN" altLang="en-US" sz="2200" dirty="0"/>
+              <a:t>假如前一条语句访问某个索引</a:t>
+            </a:r>
+            <a:r>
+              <a:rPr lang="en-US" altLang="zh-CN" sz="2200" dirty="0"/>
+              <a:t>,</a:t>
+            </a:r>
+            <a:r>
+              <a:rPr lang="zh-CN" altLang="en-US" sz="2200" dirty="0"/>
+              <a:t>则相关数据块会被缓存，后续</a:t>
+            </a:r>
+            <a:r>
+              <a:rPr lang="en-US" altLang="zh-CN" sz="2200" dirty="0"/>
               <a:t>SQL</a:t>
             </a:r>
             <a:r>
-              <a:rPr lang="zh-CN" altLang="en-US" dirty="0"/>
-              <a:t>对应执行步骤所消耗的</a:t>
-            </a:r>
-            <a:r>
-              <a:rPr lang="en-US" altLang="zh-CN" dirty="0"/>
-              <a:t>IO</a:t>
-            </a:r>
-            <a:r>
-              <a:rPr lang="zh-CN" altLang="en-US" dirty="0"/>
-              <a:t>、</a:t>
-            </a:r>
-            <a:r>
-              <a:rPr lang="en-US" altLang="zh-CN" dirty="0"/>
-              <a:t>CPU</a:t>
-            </a:r>
-            <a:r>
-              <a:rPr lang="zh-CN" altLang="en-US" dirty="0"/>
-              <a:t>、网络资源。</a:t>
-            </a:r>
-            <a:endParaRPr lang="en-US" altLang="zh-CN" dirty="0"/>
+              <a:rPr lang="zh-CN" altLang="en-US" sz="2200" dirty="0"/>
+              <a:t>如果也需要访问这个索引</a:t>
+            </a:r>
+            <a:r>
+              <a:rPr lang="en-US" altLang="zh-CN" sz="2200" dirty="0"/>
+              <a:t>,</a:t>
+            </a:r>
+            <a:r>
+              <a:rPr lang="zh-CN" altLang="en-US" sz="2200" dirty="0"/>
+              <a:t>则可以 从缓存中获得，这将大大减少读取成本，但是这一点</a:t>
+            </a:r>
+            <a:r>
+              <a:rPr lang="en-US" altLang="zh-CN" sz="2200" dirty="0"/>
+              <a:t>CBO</a:t>
+            </a:r>
+            <a:r>
+              <a:rPr lang="zh-CN" altLang="en-US" sz="2200" dirty="0"/>
+              <a:t>无法感知。</a:t>
+            </a:r>
+            <a:endParaRPr lang="en-US" altLang="zh-CN" sz="2200" dirty="0"/>
           </a:p>
           <a:p>
             <a:pPr marL="457200" lvl="1" indent="0">
               <a:buNone/>
             </a:pPr>
             <a:r>
-              <a:rPr lang="en-US" altLang="zh-CN" dirty="0"/>
-              <a:t>	</a:t>
-            </a:r>
-            <a:r>
-              <a:rPr lang="zh-CN" altLang="en-US" dirty="0"/>
-              <a:t>成本</a:t>
-            </a:r>
-            <a:r>
-              <a:rPr lang="en-US" altLang="zh-CN" dirty="0"/>
-              <a:t>;</a:t>
-            </a:r>
-            <a:r>
-              <a:rPr lang="zh-CN" altLang="en-US" dirty="0"/>
-              <a:t>是指花费在单数据块读取上的时间，加上花费在多数据块读取上的时间，再加上所需的</a:t>
-            </a:r>
-            <a:r>
-              <a:rPr lang="en-US" altLang="zh-CN" dirty="0"/>
-              <a:t>CPU</a:t>
-            </a:r>
-            <a:r>
-              <a:rPr lang="zh-CN" altLang="en-US" dirty="0"/>
-              <a:t>处理时间</a:t>
-            </a:r>
-            <a:r>
-              <a:rPr lang="en-US" altLang="zh-CN" dirty="0"/>
-              <a:t>,</a:t>
-            </a:r>
-            <a:r>
-              <a:rPr lang="zh-CN" altLang="en-US" dirty="0"/>
-              <a:t>然后将总和除以单数据块读取所花费的时间。也就是说，成本是语句的预计执行时间的总和，以单数据块读取时间单元的形式来表示</a:t>
-            </a:r>
-            <a:endParaRPr lang="en-US" altLang="zh-CN" dirty="0"/>
+              <a:rPr lang="zh-CN" altLang="en-US" sz="2200" dirty="0"/>
+              <a:t>数据库使用哪种优化器主要由参赛</a:t>
+            </a:r>
+            <a:r>
+              <a:rPr lang="en-US" altLang="zh-CN" sz="2200" dirty="0" err="1"/>
+              <a:t>optimizer_mode</a:t>
+            </a:r>
+            <a:r>
+              <a:rPr lang="zh-CN" altLang="en-US" sz="2200" dirty="0"/>
+              <a:t>初始化参数决定</a:t>
+            </a:r>
+            <a:endParaRPr lang="en-US" altLang="zh-CN" sz="2200" dirty="0"/>
           </a:p>
           <a:p>
             <a:pPr marL="457200" lvl="1" indent="0">
               <a:buNone/>
             </a:pPr>
             <a:r>
-              <a:rPr lang="en-US" altLang="zh-CN" dirty="0"/>
-              <a:t>	</a:t>
-            </a:r>
-            <a:r>
-              <a:rPr lang="zh-CN" altLang="en-US" sz="2100" dirty="0"/>
-              <a:t>公式</a:t>
-            </a:r>
-            <a:r>
-              <a:rPr lang="en-US" altLang="zh-CN" sz="2100" dirty="0"/>
-              <a:t>Cost=(#SRDs * </a:t>
-            </a:r>
-            <a:r>
-              <a:rPr lang="en-US" altLang="zh-CN" sz="2100" dirty="0" err="1"/>
-              <a:t>sreadtim</a:t>
-            </a:r>
-            <a:r>
-              <a:rPr lang="en-US" altLang="zh-CN" sz="2100" dirty="0"/>
-              <a:t> + #MRDs * </a:t>
-            </a:r>
-            <a:r>
-              <a:rPr lang="en-US" altLang="zh-CN" sz="2100" dirty="0" err="1"/>
-              <a:t>mreadtim</a:t>
-            </a:r>
-            <a:r>
-              <a:rPr lang="en-US" altLang="zh-CN" sz="2100" dirty="0"/>
-              <a:t> +# </a:t>
-            </a:r>
-            <a:r>
-              <a:rPr lang="en-US" altLang="zh-CN" sz="2100" dirty="0" err="1"/>
-              <a:t>CPUCycles</a:t>
-            </a:r>
-            <a:r>
-              <a:rPr lang="en-US" altLang="zh-CN" sz="2100" dirty="0"/>
-              <a:t>/</a:t>
-            </a:r>
-            <a:r>
-              <a:rPr lang="en-US" altLang="zh-CN" sz="2100" dirty="0" err="1"/>
-              <a:t>cpuspeed</a:t>
-            </a:r>
-            <a:r>
-              <a:rPr lang="en-US" altLang="zh-CN" sz="2100" dirty="0"/>
-              <a:t>)/</a:t>
-            </a:r>
-            <a:r>
-              <a:rPr lang="en-US" altLang="zh-CN" sz="2100" dirty="0" err="1"/>
-              <a:t>sreadtim</a:t>
-            </a:r>
-            <a:endParaRPr lang="en-US" altLang="zh-CN" sz="2100" dirty="0"/>
-          </a:p>
-          <a:p>
-            <a:pPr marL="457200" lvl="1" indent="0">
-              <a:buNone/>
-            </a:pPr>
-            <a:r>
-              <a:rPr lang="en-US" altLang="zh-CN" sz="2100" dirty="0"/>
-              <a:t>	#SRDs</a:t>
-            </a:r>
-            <a:r>
-              <a:rPr lang="zh-CN" altLang="en-US" sz="2100" dirty="0"/>
-              <a:t>：单数据块读取的次数</a:t>
-            </a:r>
-            <a:endParaRPr lang="en-US" altLang="zh-CN" sz="2100" dirty="0"/>
-          </a:p>
-          <a:p>
-            <a:pPr marL="457200" lvl="1" indent="0">
-              <a:buNone/>
-            </a:pPr>
-            <a:r>
-              <a:rPr lang="en-US" altLang="zh-CN" sz="2100" dirty="0"/>
-              <a:t>	#MRDs:  </a:t>
-            </a:r>
-            <a:r>
-              <a:rPr lang="zh-CN" altLang="en-US" sz="2100" dirty="0"/>
-              <a:t>多数据块读取的次数</a:t>
-            </a:r>
-            <a:endParaRPr lang="en-US" altLang="zh-CN" sz="2100" dirty="0"/>
-          </a:p>
-          <a:p>
-            <a:pPr marL="457200" lvl="1" indent="0">
-              <a:buNone/>
-            </a:pPr>
-            <a:r>
-              <a:rPr lang="en-US" altLang="zh-CN" sz="2100" dirty="0"/>
-              <a:t>	#</a:t>
-            </a:r>
-            <a:r>
-              <a:rPr lang="en-US" altLang="zh-CN" sz="2100" dirty="0" err="1"/>
-              <a:t>CPUCycles</a:t>
-            </a:r>
-            <a:r>
-              <a:rPr lang="en-US" altLang="zh-CN" sz="2100" dirty="0"/>
-              <a:t>: CPU</a:t>
-            </a:r>
-            <a:r>
-              <a:rPr lang="zh-CN" altLang="en-US" sz="2100" dirty="0"/>
-              <a:t>时钟频率</a:t>
-            </a:r>
-            <a:endParaRPr lang="en-US" altLang="zh-CN" sz="2100" dirty="0"/>
-          </a:p>
-          <a:p>
-            <a:pPr marL="457200" lvl="1" indent="0">
-              <a:buNone/>
-            </a:pPr>
-            <a:r>
-              <a:rPr lang="en-US" altLang="zh-CN" sz="2100" dirty="0"/>
-              <a:t>	</a:t>
-            </a:r>
-            <a:r>
-              <a:rPr lang="en-US" altLang="zh-CN" sz="2100" dirty="0" err="1"/>
-              <a:t>sreadtim</a:t>
-            </a:r>
-            <a:r>
-              <a:rPr lang="en-US" altLang="zh-CN" sz="2100" dirty="0"/>
-              <a:t>:</a:t>
-            </a:r>
-            <a:r>
-              <a:rPr lang="zh-CN" altLang="en-US" sz="2100" dirty="0"/>
-              <a:t>随机读取单数据块的平均时间</a:t>
-            </a:r>
-            <a:endParaRPr lang="en-US" altLang="zh-CN" sz="2100" dirty="0"/>
-          </a:p>
-          <a:p>
-            <a:pPr marL="457200" lvl="1" indent="0">
-              <a:buNone/>
-            </a:pPr>
-            <a:r>
-              <a:rPr lang="en-US" altLang="zh-CN" sz="2100" dirty="0"/>
-              <a:t>	</a:t>
-            </a:r>
-            <a:r>
-              <a:rPr lang="en-US" altLang="zh-CN" sz="2100" dirty="0" err="1"/>
-              <a:t>mreadtim</a:t>
-            </a:r>
-            <a:r>
-              <a:rPr lang="en-US" altLang="zh-CN" sz="2100" dirty="0"/>
-              <a:t>:</a:t>
-            </a:r>
-            <a:r>
-              <a:rPr lang="zh-CN" altLang="en-US" sz="2100" dirty="0"/>
-              <a:t>顺序读取多数据块的平均时间</a:t>
-            </a:r>
-            <a:endParaRPr lang="en-US" altLang="zh-CN" sz="2100" dirty="0"/>
-          </a:p>
-          <a:p>
-            <a:pPr marL="457200" lvl="1" indent="0">
-              <a:buNone/>
-            </a:pPr>
-            <a:r>
-              <a:rPr lang="en-US" altLang="zh-CN" sz="2100" dirty="0"/>
-              <a:t>	</a:t>
-            </a:r>
-            <a:r>
-              <a:rPr lang="en-US" altLang="zh-CN" sz="2100" dirty="0" err="1"/>
-              <a:t>cpuspeed:CPU</a:t>
-            </a:r>
-            <a:r>
-              <a:rPr lang="zh-CN" altLang="en-US" sz="2100" dirty="0"/>
-              <a:t>一秒能处理的操作数</a:t>
-            </a:r>
-            <a:r>
-              <a:rPr lang="en-US" altLang="zh-CN" sz="2100" dirty="0"/>
-              <a:t>,</a:t>
-            </a:r>
-            <a:r>
-              <a:rPr lang="zh-CN" altLang="en-US" sz="2100" dirty="0"/>
-              <a:t>单位百万次</a:t>
-            </a:r>
-            <a:r>
-              <a:rPr lang="en-US" altLang="zh-CN" sz="2100" dirty="0"/>
-              <a:t>/</a:t>
-            </a:r>
-            <a:r>
-              <a:rPr lang="zh-CN" altLang="en-US" sz="2100" dirty="0"/>
-              <a:t>秒</a:t>
-            </a:r>
-            <a:endParaRPr lang="en-US" altLang="zh-CN" sz="2100" dirty="0"/>
-          </a:p>
-          <a:p>
-            <a:pPr marL="457200" lvl="1" indent="0">
-              <a:buNone/>
-            </a:pPr>
-            <a:endParaRPr lang="en-US" altLang="zh-CN" sz="2100" dirty="0"/>
-          </a:p>
-          <a:p>
-            <a:pPr marL="457200" lvl="1" indent="0">
-              <a:buNone/>
-            </a:pPr>
-            <a:r>
-              <a:rPr lang="en-US" altLang="zh-CN" dirty="0"/>
-              <a:t>	</a:t>
-            </a:r>
-            <a:endParaRPr lang="zh-CN" altLang="en-US" dirty="0"/>
+              <a:rPr lang="en-US" altLang="zh-CN" sz="1600" dirty="0"/>
+              <a:t>Select name</a:t>
+            </a:r>
+            <a:r>
+              <a:rPr lang="zh-CN" altLang="en-US" sz="1600" dirty="0"/>
+              <a:t>，</a:t>
+            </a:r>
+            <a:r>
+              <a:rPr lang="en-US" altLang="zh-CN" sz="1600" dirty="0" err="1"/>
+              <a:t>value,isdefault,ismodified,description</a:t>
+            </a:r>
+            <a:r>
+              <a:rPr lang="en-US" altLang="zh-CN" sz="1600" dirty="0"/>
+              <a:t> from </a:t>
+            </a:r>
+            <a:r>
+              <a:rPr lang="en-US" altLang="zh-CN" sz="1600" dirty="0" err="1"/>
+              <a:t>v$system_parameter</a:t>
+            </a:r>
+            <a:r>
+              <a:rPr lang="en-US" altLang="zh-CN" sz="1600" dirty="0"/>
+              <a:t> Where name like ‘%</a:t>
+            </a:r>
+            <a:r>
+              <a:rPr lang="en-US" altLang="zh-CN" sz="1600" dirty="0" err="1"/>
+              <a:t>optimizer_mode</a:t>
+            </a:r>
+            <a:r>
+              <a:rPr lang="en-US" altLang="zh-CN" sz="1600" dirty="0"/>
+              <a:t>%’</a:t>
+            </a:r>
+            <a:endParaRPr lang="zh-CN" altLang="en-US" sz="1600" dirty="0"/>
           </a:p>
         </p:txBody>
       </p:sp>
     </p:spTree>
     <p:extLst>
       <p:ext uri="{BB962C8B-B14F-4D97-AF65-F5344CB8AC3E}">
-        <p14:creationId xmlns:p14="http://schemas.microsoft.com/office/powerpoint/2010/main" val="1582139943"/>
+        <p14:creationId xmlns:p14="http://schemas.microsoft.com/office/powerpoint/2010/main" val="2600181250"/>
       </p:ext>
     </p:extLst>
   </p:cSld>
   <p:clrMapOvr>
     <a:masterClrMapping/>
   </p:clrMapOvr>
-  <mc:AlternateContent xmlns:mc="http://schemas.openxmlformats.org/markup-compatibility/2006">
-    <mc:Choice xmlns:p14="http://schemas.microsoft.com/office/powerpoint/2010/main" Requires="p14">
-      <p:transition spd="med" p14:dur="700">
-        <p:fade/>
-      </p:transition>
-    </mc:Choice>
-    <mc:Fallback>
-      <p:transition spd="med">
-        <p:fade/>
-      </p:transition>
-    </mc:Fallback>
-  </mc:AlternateContent>
+  <p:transition spd="slow">
+    <p:push dir="u"/>
+  </p:transition>
 </p:sld>
 </file>
 
@@ -6407,7 +5219,7 @@
           <p:cNvPr id="3" name="内容占位符 2">
             <a:extLst>
               <a:ext uri="{FF2B5EF4-FFF2-40B4-BE49-F238E27FC236}">
-                <a16:creationId xmlns:a16="http://schemas.microsoft.com/office/drawing/2014/main" id="{C8FE1BED-7B4B-4446-95C9-08D068DE17B9}"/>
+                <a16:creationId xmlns:a16="http://schemas.microsoft.com/office/drawing/2014/main" id="{19225AF2-8DB3-49FE-8340-FE3815935A1B}"/>
               </a:ext>
             </a:extLst>
           </p:cNvPr>
@@ -6420,281 +5232,360 @@
         </p:nvSpPr>
         <p:spPr>
           <a:xfrm>
-            <a:off x="516835" y="278296"/>
-            <a:ext cx="10836965" cy="5898667"/>
+            <a:off x="745587" y="858128"/>
+            <a:ext cx="11282289" cy="5999871"/>
           </a:xfrm>
         </p:spPr>
         <p:txBody>
-          <a:bodyPr/>
+          <a:bodyPr>
+            <a:normAutofit fontScale="92500"/>
+          </a:bodyPr>
           <a:lstStyle/>
           <a:p>
+            <a:r>
+              <a:rPr lang="zh-CN" altLang="en-US" dirty="0"/>
+              <a:t>基于成本的优化器</a:t>
+            </a:r>
+            <a:endParaRPr lang="en-US" altLang="zh-CN" dirty="0"/>
+          </a:p>
+          <a:p>
             <a:pPr marL="457200" lvl="1" indent="0">
               <a:buNone/>
             </a:pPr>
             <a:r>
-              <a:rPr lang="zh-CN" altLang="en-US" sz="2200" dirty="0"/>
-              <a:t>访问路径</a:t>
-            </a:r>
-            <a:r>
-              <a:rPr lang="en-US" altLang="zh-CN" sz="2200" dirty="0"/>
+              <a:rPr lang="en-US" altLang="zh-CN" dirty="0"/>
+              <a:t>	CBO</a:t>
+            </a:r>
+            <a:r>
+              <a:rPr lang="zh-CN" altLang="en-US" dirty="0"/>
+              <a:t>选择执行计划时，以目标</a:t>
+            </a:r>
+            <a:r>
+              <a:rPr lang="en-US" altLang="zh-CN" dirty="0"/>
+              <a:t>SQL</a:t>
+            </a:r>
+            <a:r>
+              <a:rPr lang="zh-CN" altLang="en-US" dirty="0"/>
+              <a:t>成本为判断原则，</a:t>
+            </a:r>
+            <a:r>
+              <a:rPr lang="en-US" altLang="zh-CN" dirty="0"/>
+              <a:t>CBO</a:t>
+            </a:r>
+            <a:r>
+              <a:rPr lang="zh-CN" altLang="en-US" dirty="0"/>
+              <a:t>会选择一条执行成本最小的执行计划作为</a:t>
+            </a:r>
+            <a:r>
+              <a:rPr lang="en-US" altLang="zh-CN" dirty="0"/>
+              <a:t>SQL</a:t>
+            </a:r>
+            <a:r>
+              <a:rPr lang="zh-CN" altLang="en-US" dirty="0"/>
+              <a:t>的执行计划，各条执行路径的成本通过目标</a:t>
+            </a:r>
+            <a:r>
+              <a:rPr lang="en-US" altLang="zh-CN" dirty="0"/>
+              <a:t>SQL</a:t>
+            </a:r>
+            <a:r>
+              <a:rPr lang="zh-CN" altLang="en-US" dirty="0"/>
+              <a:t>语句所涉及的表、索引、列等的统计信这里的成本是</a:t>
+            </a:r>
+            <a:r>
+              <a:rPr lang="en-US" altLang="zh-CN" dirty="0"/>
+              <a:t>oracle</a:t>
+            </a:r>
+            <a:r>
+              <a:rPr lang="zh-CN" altLang="en-US" dirty="0"/>
+              <a:t>通过相关对象的统计信息计算出来的一个值，它实际上代表目标</a:t>
+            </a:r>
+            <a:r>
+              <a:rPr lang="en-US" altLang="zh-CN" dirty="0"/>
+              <a:t>SQL</a:t>
+            </a:r>
+            <a:r>
+              <a:rPr lang="zh-CN" altLang="en-US" dirty="0"/>
+              <a:t>对应执行步骤所消耗的</a:t>
+            </a:r>
+            <a:r>
+              <a:rPr lang="en-US" altLang="zh-CN" dirty="0"/>
+              <a:t>IO</a:t>
+            </a:r>
+            <a:r>
+              <a:rPr lang="zh-CN" altLang="en-US" dirty="0"/>
+              <a:t>、</a:t>
+            </a:r>
+            <a:r>
+              <a:rPr lang="en-US" altLang="zh-CN" dirty="0"/>
+              <a:t>CPU</a:t>
+            </a:r>
+            <a:r>
+              <a:rPr lang="zh-CN" altLang="en-US" dirty="0"/>
+              <a:t>、网络资源。</a:t>
+            </a:r>
+            <a:endParaRPr lang="en-US" altLang="zh-CN" dirty="0"/>
+          </a:p>
+          <a:p>
+            <a:pPr marL="457200" lvl="1" indent="0">
+              <a:buNone/>
+            </a:pPr>
+            <a:r>
+              <a:rPr lang="en-US" altLang="zh-CN" dirty="0"/>
+              <a:t>	</a:t>
+            </a:r>
+            <a:r>
+              <a:rPr lang="zh-CN" altLang="en-US" dirty="0"/>
+              <a:t>成本</a:t>
+            </a:r>
+            <a:r>
+              <a:rPr lang="en-US" altLang="zh-CN" dirty="0"/>
+              <a:t>;</a:t>
+            </a:r>
+            <a:r>
+              <a:rPr lang="zh-CN" altLang="en-US" dirty="0"/>
+              <a:t>是指花费在单数据块读取上的时间，加上花费在多数据块读取上的时间，再加上所需的</a:t>
+            </a:r>
+            <a:r>
+              <a:rPr lang="en-US" altLang="zh-CN" dirty="0"/>
+              <a:t>CPU</a:t>
+            </a:r>
+            <a:r>
+              <a:rPr lang="zh-CN" altLang="en-US" dirty="0"/>
+              <a:t>处理时间</a:t>
+            </a:r>
+            <a:r>
+              <a:rPr lang="en-US" altLang="zh-CN" dirty="0"/>
+              <a:t>,</a:t>
+            </a:r>
+            <a:r>
+              <a:rPr lang="zh-CN" altLang="en-US" dirty="0"/>
+              <a:t>然后将总和除以单数据块读取所花费的时间。也就是说，成本是语句的预计执行时间的总和，以单数据块读取时间单元的形式来表示</a:t>
+            </a:r>
+            <a:endParaRPr lang="en-US" altLang="zh-CN" dirty="0"/>
+          </a:p>
+          <a:p>
+            <a:pPr marL="457200" lvl="1" indent="0">
+              <a:buNone/>
+            </a:pPr>
+            <a:r>
+              <a:rPr lang="en-US" altLang="zh-CN" dirty="0"/>
+              <a:t>	</a:t>
+            </a:r>
+            <a:r>
+              <a:rPr lang="zh-CN" altLang="en-US" sz="2100" dirty="0"/>
+              <a:t>公式</a:t>
+            </a:r>
+            <a:r>
+              <a:rPr lang="en-US" altLang="zh-CN" sz="2100" dirty="0"/>
+              <a:t>Cost=(#SRDs * </a:t>
+            </a:r>
+            <a:r>
+              <a:rPr lang="en-US" altLang="zh-CN" sz="2100" dirty="0" err="1"/>
+              <a:t>sreadtim</a:t>
+            </a:r>
+            <a:r>
+              <a:rPr lang="en-US" altLang="zh-CN" sz="2100" dirty="0"/>
+              <a:t> + #MRDs * </a:t>
+            </a:r>
+            <a:r>
+              <a:rPr lang="en-US" altLang="zh-CN" sz="2100" dirty="0" err="1"/>
+              <a:t>mreadtim</a:t>
+            </a:r>
+            <a:r>
+              <a:rPr lang="en-US" altLang="zh-CN" sz="2100" dirty="0"/>
+              <a:t> +# </a:t>
+            </a:r>
+            <a:r>
+              <a:rPr lang="en-US" altLang="zh-CN" sz="2100" dirty="0" err="1"/>
+              <a:t>CPUCycles</a:t>
+            </a:r>
+            <a:r>
+              <a:rPr lang="en-US" altLang="zh-CN" sz="2100" dirty="0"/>
+              <a:t>/</a:t>
+            </a:r>
+            <a:r>
+              <a:rPr lang="en-US" altLang="zh-CN" sz="2100" dirty="0" err="1"/>
+              <a:t>cpuspeed</a:t>
+            </a:r>
+            <a:r>
+              <a:rPr lang="en-US" altLang="zh-CN" sz="2100" dirty="0"/>
+              <a:t>)/</a:t>
+            </a:r>
+            <a:r>
+              <a:rPr lang="en-US" altLang="zh-CN" sz="2100" dirty="0" err="1"/>
+              <a:t>sreadtim</a:t>
+            </a:r>
+            <a:endParaRPr lang="en-US" altLang="zh-CN" sz="2100" dirty="0"/>
+          </a:p>
+          <a:p>
+            <a:pPr marL="457200" lvl="1" indent="0">
+              <a:buNone/>
+            </a:pPr>
+            <a:r>
+              <a:rPr lang="en-US" altLang="zh-CN" sz="2100" dirty="0"/>
+              <a:t>	#SRDs</a:t>
+            </a:r>
+            <a:r>
+              <a:rPr lang="zh-CN" altLang="en-US" sz="2100" dirty="0"/>
+              <a:t>：单数据块读取的次数</a:t>
+            </a:r>
+            <a:endParaRPr lang="en-US" altLang="zh-CN" sz="2100" dirty="0"/>
+          </a:p>
+          <a:p>
+            <a:pPr marL="457200" lvl="1" indent="0">
+              <a:buNone/>
+            </a:pPr>
+            <a:r>
+              <a:rPr lang="en-US" altLang="zh-CN" sz="2100" dirty="0"/>
+              <a:t>	#MRDs:  </a:t>
+            </a:r>
+            <a:r>
+              <a:rPr lang="zh-CN" altLang="en-US" sz="2100" dirty="0"/>
+              <a:t>多数据块读取的次数</a:t>
+            </a:r>
+            <a:endParaRPr lang="en-US" altLang="zh-CN" sz="2100" dirty="0"/>
+          </a:p>
+          <a:p>
+            <a:pPr marL="457200" lvl="1" indent="0">
+              <a:buNone/>
+            </a:pPr>
+            <a:r>
+              <a:rPr lang="en-US" altLang="zh-CN" sz="2100" dirty="0"/>
+              <a:t>	#</a:t>
+            </a:r>
+            <a:r>
+              <a:rPr lang="en-US" altLang="zh-CN" sz="2100" dirty="0" err="1"/>
+              <a:t>CPUCycles</a:t>
+            </a:r>
+            <a:r>
+              <a:rPr lang="en-US" altLang="zh-CN" sz="2100" dirty="0"/>
+              <a:t>: CPU</a:t>
+            </a:r>
+            <a:r>
+              <a:rPr lang="zh-CN" altLang="en-US" sz="2100" dirty="0"/>
+              <a:t>时钟频率</a:t>
+            </a:r>
+            <a:endParaRPr lang="en-US" altLang="zh-CN" sz="2100" dirty="0"/>
+          </a:p>
+          <a:p>
+            <a:pPr marL="457200" lvl="1" indent="0">
+              <a:buNone/>
+            </a:pPr>
+            <a:r>
+              <a:rPr lang="en-US" altLang="zh-CN" sz="2100" dirty="0"/>
+              <a:t>	</a:t>
+            </a:r>
+            <a:r>
+              <a:rPr lang="en-US" altLang="zh-CN" sz="2100" dirty="0" err="1"/>
+              <a:t>sreadtim</a:t>
+            </a:r>
+            <a:r>
+              <a:rPr lang="en-US" altLang="zh-CN" sz="2100" dirty="0"/>
               <a:t>:</a:t>
             </a:r>
             <a:r>
-              <a:rPr lang="zh-CN" altLang="en-US" sz="2200" dirty="0"/>
-              <a:t>指</a:t>
-            </a:r>
-            <a:r>
-              <a:rPr lang="en-US" altLang="zh-CN" sz="2200" dirty="0"/>
-              <a:t>SQL</a:t>
-            </a:r>
-            <a:r>
-              <a:rPr lang="zh-CN" altLang="en-US" sz="2200" dirty="0"/>
-              <a:t>语句中数据库对象的访问方式。根据访问对象的不同，可以分为表访问路径，索引访问路径等。是影响执行计划整体性能的主要因素。</a:t>
-            </a:r>
-            <a:endParaRPr lang="en-US" altLang="zh-CN" sz="2200" dirty="0"/>
+              <a:rPr lang="zh-CN" altLang="en-US" sz="2100" dirty="0"/>
+              <a:t>随机读取单数据块的平均时间</a:t>
+            </a:r>
+            <a:endParaRPr lang="en-US" altLang="zh-CN" sz="2100" dirty="0"/>
           </a:p>
           <a:p>
             <a:pPr marL="457200" lvl="1" indent="0">
               <a:buNone/>
             </a:pPr>
             <a:r>
-              <a:rPr lang="zh-CN" altLang="en-US" sz="2200" dirty="0"/>
-              <a:t>统计信息</a:t>
-            </a:r>
-            <a:r>
-              <a:rPr lang="en-US" altLang="zh-CN" sz="2200" dirty="0"/>
+              <a:rPr lang="en-US" altLang="zh-CN" sz="2100" dirty="0"/>
+              <a:t>	</a:t>
+            </a:r>
+            <a:r>
+              <a:rPr lang="en-US" altLang="zh-CN" sz="2100" dirty="0" err="1"/>
+              <a:t>mreadtim</a:t>
+            </a:r>
+            <a:r>
+              <a:rPr lang="en-US" altLang="zh-CN" sz="2100" dirty="0"/>
               <a:t>:</a:t>
             </a:r>
             <a:r>
-              <a:rPr lang="zh-CN" altLang="en-US" sz="2200" dirty="0"/>
-              <a:t>描述数据库中表，索引的大小，规模，数据分布状况等的一类信息。例如，表的行数，块数，平均每行的大小，索引字段的行数等，都属于统计信息。</a:t>
-            </a:r>
-            <a:r>
-              <a:rPr lang="en-US" altLang="zh-CN" sz="2200" dirty="0"/>
-              <a:t>CBO</a:t>
-            </a:r>
-            <a:r>
-              <a:rPr lang="zh-CN" altLang="en-US" sz="2200" dirty="0"/>
-              <a:t>正是根据这些统计信息数据，计算出不同访问路径下，不同</a:t>
-            </a:r>
-            <a:r>
-              <a:rPr lang="en-US" altLang="zh-CN" sz="2200" dirty="0"/>
-              <a:t>join </a:t>
-            </a:r>
-            <a:r>
-              <a:rPr lang="zh-CN" altLang="en-US" sz="2200" dirty="0"/>
-              <a:t>方式下，各种计划的成本，最后选择出成本最小的计划。</a:t>
-            </a:r>
-            <a:endParaRPr lang="en-US" altLang="zh-CN" sz="2200" dirty="0"/>
+              <a:rPr lang="zh-CN" altLang="en-US" sz="2100" dirty="0"/>
+              <a:t>顺序读取多数据块的平均时间</a:t>
+            </a:r>
+            <a:endParaRPr lang="en-US" altLang="zh-CN" sz="2100" dirty="0"/>
           </a:p>
           <a:p>
             <a:pPr marL="457200" lvl="1" indent="0">
               <a:buNone/>
             </a:pPr>
-            <a:endParaRPr lang="en-US" altLang="zh-CN" sz="2200" dirty="0"/>
+            <a:r>
+              <a:rPr lang="en-US" altLang="zh-CN" sz="2100" dirty="0"/>
+              <a:t>	</a:t>
+            </a:r>
+            <a:r>
+              <a:rPr lang="en-US" altLang="zh-CN" sz="2100" dirty="0" err="1"/>
+              <a:t>cpuspeed:CPU</a:t>
+            </a:r>
+            <a:r>
+              <a:rPr lang="zh-CN" altLang="en-US" sz="2100" dirty="0"/>
+              <a:t>一秒能处理的操作数</a:t>
+            </a:r>
+            <a:r>
+              <a:rPr lang="en-US" altLang="zh-CN" sz="2100" dirty="0"/>
+              <a:t>,</a:t>
+            </a:r>
+            <a:r>
+              <a:rPr lang="zh-CN" altLang="en-US" sz="2100" dirty="0"/>
+              <a:t>单位百万次</a:t>
+            </a:r>
+            <a:r>
+              <a:rPr lang="en-US" altLang="zh-CN" sz="2100" dirty="0"/>
+              <a:t>/</a:t>
+            </a:r>
+            <a:r>
+              <a:rPr lang="zh-CN" altLang="en-US" sz="2100" dirty="0"/>
+              <a:t>秒</a:t>
+            </a:r>
+            <a:endParaRPr lang="en-US" altLang="zh-CN" sz="2100" dirty="0"/>
           </a:p>
           <a:p>
             <a:pPr marL="457200" lvl="1" indent="0">
               <a:buNone/>
             </a:pPr>
-            <a:r>
-              <a:rPr lang="zh-CN" altLang="en-US" sz="2200" dirty="0"/>
-              <a:t>需要注意的是</a:t>
-            </a:r>
-            <a:r>
-              <a:rPr lang="en-US" altLang="zh-CN" sz="2200" dirty="0"/>
-              <a:t>,</a:t>
-            </a:r>
-            <a:r>
-              <a:rPr lang="zh-CN" altLang="en-US" sz="2200" dirty="0"/>
-              <a:t>随着</a:t>
-            </a:r>
-            <a:r>
-              <a:rPr lang="en-US" altLang="zh-CN" sz="2200" dirty="0"/>
-              <a:t>oracle</a:t>
-            </a:r>
-            <a:r>
-              <a:rPr lang="zh-CN" altLang="en-US" sz="2200" dirty="0"/>
-              <a:t>版本不断演变</a:t>
-            </a:r>
-            <a:r>
-              <a:rPr lang="en-US" altLang="zh-CN" sz="2200" dirty="0"/>
-              <a:t>,CBO</a:t>
-            </a:r>
-            <a:r>
-              <a:rPr lang="zh-CN" altLang="en-US" sz="2200" dirty="0"/>
-              <a:t>优化器越来越智能</a:t>
-            </a:r>
-            <a:r>
-              <a:rPr lang="en-US" altLang="zh-CN" sz="2200" dirty="0"/>
-              <a:t>,</a:t>
-            </a:r>
-            <a:r>
-              <a:rPr lang="zh-CN" altLang="en-US" sz="2200" dirty="0"/>
-              <a:t>但是仍然有些特殊情况会导致产生较差的执行过程</a:t>
-            </a:r>
-            <a:r>
-              <a:rPr lang="en-US" altLang="zh-CN" sz="2200" dirty="0"/>
-              <a:t>.</a:t>
-            </a:r>
+            <a:endParaRPr lang="en-US" altLang="zh-CN" sz="2100" dirty="0"/>
           </a:p>
           <a:p>
             <a:pPr marL="457200" lvl="1" indent="0">
               <a:buNone/>
             </a:pPr>
             <a:r>
-              <a:rPr lang="en-US" altLang="zh-CN" sz="2200" dirty="0"/>
+              <a:rPr lang="en-US" altLang="zh-CN" dirty="0"/>
               <a:t>	</a:t>
             </a:r>
-            <a:r>
-              <a:rPr lang="zh-CN" altLang="en-US" sz="2200" dirty="0"/>
-              <a:t>例如 </a:t>
-            </a:r>
-            <a:r>
-              <a:rPr lang="en-US" altLang="zh-CN" sz="2200" dirty="0"/>
-              <a:t>SQL</a:t>
-            </a:r>
-            <a:r>
-              <a:rPr lang="zh-CN" altLang="en-US" sz="2200" dirty="0"/>
-              <a:t>无关性</a:t>
-            </a:r>
-            <a:r>
-              <a:rPr lang="en-US" altLang="zh-CN" sz="2200" dirty="0"/>
-              <a:t>,CBO</a:t>
-            </a:r>
-            <a:r>
-              <a:rPr lang="zh-CN" altLang="en-US" sz="2200" dirty="0"/>
-              <a:t>认为</a:t>
-            </a:r>
-            <a:r>
-              <a:rPr lang="en-US" altLang="zh-CN" sz="2200" dirty="0"/>
-              <a:t>SQL</a:t>
-            </a:r>
-            <a:r>
-              <a:rPr lang="zh-CN" altLang="en-US" sz="2200" dirty="0"/>
-              <a:t>语句运行都是独立的，之间没有任何关系</a:t>
-            </a:r>
-            <a:r>
-              <a:rPr lang="en-US" altLang="zh-CN" sz="2200" dirty="0"/>
-              <a:t>,</a:t>
-            </a:r>
-            <a:r>
-              <a:rPr lang="zh-CN" altLang="en-US" sz="2200" dirty="0"/>
-              <a:t>但是实际运行可能是有关联的</a:t>
-            </a:r>
-            <a:r>
-              <a:rPr lang="en-US" altLang="zh-CN" sz="2200" dirty="0"/>
-              <a:t>,</a:t>
-            </a:r>
-            <a:r>
-              <a:rPr lang="zh-CN" altLang="en-US" sz="2200" dirty="0"/>
-              <a:t>假如前一条语句访问某个索引</a:t>
-            </a:r>
-            <a:r>
-              <a:rPr lang="en-US" altLang="zh-CN" sz="2200" dirty="0"/>
-              <a:t>,</a:t>
-            </a:r>
-            <a:r>
-              <a:rPr lang="zh-CN" altLang="en-US" sz="2200" dirty="0"/>
-              <a:t>则相关数据块会被缓存，后续</a:t>
-            </a:r>
-            <a:r>
-              <a:rPr lang="en-US" altLang="zh-CN" sz="2200" dirty="0"/>
-              <a:t>SQL</a:t>
-            </a:r>
-            <a:r>
-              <a:rPr lang="zh-CN" altLang="en-US" sz="2200" dirty="0"/>
-              <a:t>如果也需要访问这个索引</a:t>
-            </a:r>
-            <a:r>
-              <a:rPr lang="en-US" altLang="zh-CN" sz="2200" dirty="0"/>
-              <a:t>,</a:t>
-            </a:r>
-            <a:r>
-              <a:rPr lang="zh-CN" altLang="en-US" sz="2200" dirty="0"/>
-              <a:t>则可以 从缓存中获得，这将大大减少读取成本，但是这一点</a:t>
-            </a:r>
-            <a:r>
-              <a:rPr lang="en-US" altLang="zh-CN" sz="2200" dirty="0"/>
-              <a:t>CBO</a:t>
-            </a:r>
-            <a:r>
-              <a:rPr lang="zh-CN" altLang="en-US" sz="2200" dirty="0"/>
-              <a:t>无法感知。</a:t>
-            </a:r>
-            <a:endParaRPr lang="en-US" altLang="zh-CN" sz="2200" dirty="0"/>
-          </a:p>
-          <a:p>
-            <a:pPr marL="457200" lvl="1" indent="0">
-              <a:buNone/>
-            </a:pPr>
-            <a:r>
-              <a:rPr lang="zh-CN" altLang="en-US" sz="2200" dirty="0"/>
-              <a:t>数据库使用哪种优化器主要由参赛</a:t>
-            </a:r>
-            <a:r>
-              <a:rPr lang="en-US" altLang="zh-CN" sz="2200" dirty="0" err="1"/>
-              <a:t>optimizer_mode</a:t>
-            </a:r>
-            <a:r>
-              <a:rPr lang="zh-CN" altLang="en-US" sz="2200" dirty="0"/>
-              <a:t>初始化参数决定</a:t>
-            </a:r>
-            <a:endParaRPr lang="en-US" altLang="zh-CN" sz="2200" dirty="0"/>
-          </a:p>
-          <a:p>
-            <a:pPr marL="457200" lvl="1" indent="0">
-              <a:buNone/>
-            </a:pPr>
-            <a:r>
-              <a:rPr lang="en-US" altLang="zh-CN" sz="1600" dirty="0"/>
-              <a:t>Select name</a:t>
-            </a:r>
-            <a:r>
-              <a:rPr lang="zh-CN" altLang="en-US" sz="1600" dirty="0"/>
-              <a:t>，</a:t>
-            </a:r>
-            <a:r>
-              <a:rPr lang="en-US" altLang="zh-CN" sz="1600" dirty="0" err="1"/>
-              <a:t>value,isdefault,ismodified,description</a:t>
-            </a:r>
-            <a:r>
-              <a:rPr lang="en-US" altLang="zh-CN" sz="1600" dirty="0"/>
-              <a:t> from </a:t>
-            </a:r>
-            <a:r>
-              <a:rPr lang="en-US" altLang="zh-CN" sz="1600" dirty="0" err="1"/>
-              <a:t>v$system_parameter</a:t>
-            </a:r>
-            <a:r>
-              <a:rPr lang="en-US" altLang="zh-CN" sz="1600" dirty="0"/>
-              <a:t> Where name like ‘%</a:t>
-            </a:r>
-            <a:r>
-              <a:rPr lang="en-US" altLang="zh-CN" sz="1600" dirty="0" err="1"/>
-              <a:t>optimizer_mode</a:t>
-            </a:r>
-            <a:r>
-              <a:rPr lang="en-US" altLang="zh-CN" sz="1600" dirty="0"/>
-              <a:t>%’</a:t>
-            </a:r>
-            <a:endParaRPr lang="zh-CN" altLang="en-US" sz="1600" dirty="0"/>
+            <a:endParaRPr lang="zh-CN" altLang="en-US" dirty="0"/>
           </a:p>
         </p:txBody>
       </p:sp>
     </p:spTree>
     <p:extLst>
       <p:ext uri="{BB962C8B-B14F-4D97-AF65-F5344CB8AC3E}">
-        <p14:creationId xmlns:p14="http://schemas.microsoft.com/office/powerpoint/2010/main" val="2600181250"/>
+        <p14:creationId xmlns:p14="http://schemas.microsoft.com/office/powerpoint/2010/main" val="1582139943"/>
       </p:ext>
     </p:extLst>
   </p:cSld>
   <p:clrMapOvr>
     <a:masterClrMapping/>
   </p:clrMapOvr>
-  <p:transition spd="slow">
-    <p:push dir="u"/>
-  </p:transition>
+  <mc:AlternateContent xmlns:mc="http://schemas.openxmlformats.org/markup-compatibility/2006" xmlns:p14="http://schemas.microsoft.com/office/powerpoint/2010/main">
+    <mc:Choice Requires="p14">
+      <p:transition spd="med" p14:dur="700">
+        <p:fade/>
+      </p:transition>
+    </mc:Choice>
+    <mc:Fallback xmlns="">
+      <p:transition spd="med">
+        <p:fade/>
+      </p:transition>
+    </mc:Fallback>
+  </mc:AlternateContent>
 </p:sld>
 </file>
 
@@ -6792,13 +5683,13 @@
   <p:clrMapOvr>
     <a:masterClrMapping/>
   </p:clrMapOvr>
-  <mc:AlternateContent xmlns:mc="http://schemas.openxmlformats.org/markup-compatibility/2006">
-    <mc:Choice xmlns:p14="http://schemas.microsoft.com/office/powerpoint/2010/main" Requires="p14">
+  <mc:AlternateContent xmlns:mc="http://schemas.openxmlformats.org/markup-compatibility/2006" xmlns:p14="http://schemas.microsoft.com/office/powerpoint/2010/main">
+    <mc:Choice Requires="p14">
       <p:transition spd="med" p14:dur="700">
         <p:fade/>
       </p:transition>
     </mc:Choice>
-    <mc:Fallback>
+    <mc:Fallback xmlns="">
       <p:transition spd="med">
         <p:fade/>
       </p:transition>
@@ -6996,13 +5887,13 @@
   <p:clrMapOvr>
     <a:masterClrMapping/>
   </p:clrMapOvr>
-  <mc:AlternateContent xmlns:mc="http://schemas.openxmlformats.org/markup-compatibility/2006">
-    <mc:Choice xmlns:p14="http://schemas.microsoft.com/office/powerpoint/2010/main" Requires="p14">
+  <mc:AlternateContent xmlns:mc="http://schemas.openxmlformats.org/markup-compatibility/2006" xmlns:p14="http://schemas.microsoft.com/office/powerpoint/2010/main">
+    <mc:Choice Requires="p14">
       <p:transition spd="slow" p14:dur="3400">
         <p14:reveal/>
       </p:transition>
     </mc:Choice>
-    <mc:Fallback>
+    <mc:Fallback xmlns="">
       <p:transition spd="slow">
         <p:fade/>
       </p:transition>
@@ -10297,4 +9188,47 @@
     </a:ext>
   </a:extLst>
 </a:theme>
+</file>
+
+<file path=ppt/theme/themeOverride1.xml><?xml version="1.0" encoding="utf-8"?>
+<a:themeOverride xmlns:a="http://schemas.openxmlformats.org/drawingml/2006/main">
+  <a:clrScheme name="Office">
+    <a:dk1>
+      <a:sysClr val="windowText" lastClr="000000"/>
+    </a:dk1>
+    <a:lt1>
+      <a:sysClr val="window" lastClr="FFFFFF"/>
+    </a:lt1>
+    <a:dk2>
+      <a:srgbClr val="44546A"/>
+    </a:dk2>
+    <a:lt2>
+      <a:srgbClr val="E7E6E6"/>
+    </a:lt2>
+    <a:accent1>
+      <a:srgbClr val="4472C4"/>
+    </a:accent1>
+    <a:accent2>
+      <a:srgbClr val="ED7D31"/>
+    </a:accent2>
+    <a:accent3>
+      <a:srgbClr val="A5A5A5"/>
+    </a:accent3>
+    <a:accent4>
+      <a:srgbClr val="FFC000"/>
+    </a:accent4>
+    <a:accent5>
+      <a:srgbClr val="5B9BD5"/>
+    </a:accent5>
+    <a:accent6>
+      <a:srgbClr val="70AD47"/>
+    </a:accent6>
+    <a:hlink>
+      <a:srgbClr val="0563C1"/>
+    </a:hlink>
+    <a:folHlink>
+      <a:srgbClr val="954F72"/>
+    </a:folHlink>
+  </a:clrScheme>
+</a:themeOverride>
 </file>
--- a/浅谈oracle sql优化.pptx
+++ b/浅谈oracle sql优化.pptx
@@ -3447,10 +3447,7 @@
               <a:rPr lang="zh-CN" altLang="en-US" dirty="0"/>
               <a:t>执行计划</a:t>
             </a:r>
-            <a:r>
-              <a:rPr lang="en-US" altLang="zh-CN" dirty="0"/>
-              <a:t>		</a:t>
-            </a:r>
+            <a:endParaRPr lang="en-US" altLang="zh-CN" dirty="0"/>
           </a:p>
           <a:p>
             <a:pPr marL="4000500" lvl="8" indent="-342900" algn="l">
@@ -3773,6 +3770,12 @@
 <file path=ppt/slides/slide12.xml><?xml version="1.0" encoding="utf-8"?>
 <p:sld xmlns:a="http://schemas.openxmlformats.org/drawingml/2006/main" xmlns:r="http://schemas.openxmlformats.org/officeDocument/2006/relationships" xmlns:p="http://schemas.openxmlformats.org/presentationml/2006/main">
   <p:cSld>
+    <p:bg>
+      <p:bgPr>
+        <a:noFill/>
+        <a:effectLst/>
+      </p:bgPr>
+    </p:bg>
     <p:spTree>
       <p:nvGrpSpPr>
         <p:cNvPr id="1" name=""/>
@@ -3817,26 +3820,216 @@
       </p:sp>
       <p:sp>
         <p:nvSpPr>
-          <p:cNvPr id="3" name="内容占位符 2">
+          <p:cNvPr id="4" name="Rectangle 2">
             <a:extLst>
               <a:ext uri="{FF2B5EF4-FFF2-40B4-BE49-F238E27FC236}">
-                <a16:creationId xmlns:a16="http://schemas.microsoft.com/office/drawing/2014/main" id="{40EE756F-94A8-4E62-9820-FF5307C454FB}"/>
+                <a16:creationId xmlns:a16="http://schemas.microsoft.com/office/drawing/2014/main" id="{26E22035-E0A9-445A-A2D1-7E0B7080D76A}"/>
               </a:ext>
             </a:extLst>
           </p:cNvPr>
           <p:cNvSpPr>
-            <a:spLocks noGrp="1"/>
+            <a:spLocks noGrp="1" noChangeArrowheads="1"/>
           </p:cNvSpPr>
           <p:nvPr>
             <p:ph idx="1"/>
           </p:nvPr>
         </p:nvSpPr>
-        <p:spPr/>
+        <p:spPr bwMode="auto">
+          <a:xfrm>
+            <a:off x="480390" y="1690687"/>
+            <a:ext cx="10873409" cy="4617347"/>
+          </a:xfrm>
+          <a:prstGeom prst="rect">
+            <a:avLst/>
+          </a:prstGeom>
+          <a:noFill/>
+          <a:ln>
+            <a:noFill/>
+          </a:ln>
+          <a:effectLst/>
+          <a:extLst>
+            <a:ext uri="{909E8E84-426E-40DD-AFC4-6F175D3DCCD1}">
+              <a14:hiddenFill xmlns:a14="http://schemas.microsoft.com/office/drawing/2010/main">
+                <a:solidFill>
+                  <a:schemeClr val="accent1"/>
+                </a:solidFill>
+              </a14:hiddenFill>
+            </a:ext>
+            <a:ext uri="{91240B29-F687-4F45-9708-019B960494DF}">
+              <a14:hiddenLine xmlns:a14="http://schemas.microsoft.com/office/drawing/2010/main" w="9525">
+                <a:solidFill>
+                  <a:schemeClr val="tx1"/>
+                </a:solidFill>
+                <a:miter lim="800000"/>
+                <a:headEnd/>
+                <a:tailEnd/>
+              </a14:hiddenLine>
+            </a:ext>
+            <a:ext uri="{AF507438-7753-43E0-B8FC-AC1667EBCBE1}">
+              <a14:hiddenEffects xmlns:a14="http://schemas.microsoft.com/office/drawing/2010/main">
+                <a:effectLst>
+                  <a:outerShdw dist="35921" dir="2700000" algn="ctr" rotWithShape="0">
+                    <a:schemeClr val="bg2"/>
+                  </a:outerShdw>
+                </a:effectLst>
+              </a14:hiddenEffects>
+            </a:ext>
+          </a:extLst>
+        </p:spPr>
         <p:txBody>
-          <a:bodyPr/>
-          <a:lstStyle/>
-          <a:p>
-            <a:endParaRPr lang="zh-CN" altLang="en-US" dirty="0"/>
+          <a:bodyPr vert="horz" wrap="square" lIns="0" tIns="0" rIns="0" bIns="0" numCol="1" anchor="ctr" anchorCtr="0" compatLnSpc="1">
+            <a:prstTxWarp prst="textNoShape">
+              <a:avLst/>
+            </a:prstTxWarp>
+            <a:spAutoFit/>
+          </a:bodyPr>
+          <a:lstStyle>
+            <a:lvl1pPr eaLnBrk="0" fontAlgn="base" hangingPunct="0">
+              <a:spcBef>
+                <a:spcPct val="0"/>
+              </a:spcBef>
+              <a:spcAft>
+                <a:spcPct val="0"/>
+              </a:spcAft>
+              <a:defRPr>
+                <a:solidFill>
+                  <a:schemeClr val="tx1"/>
+                </a:solidFill>
+                <a:latin typeface="Arial" panose="020B0604020202020204" pitchFamily="34" charset="0"/>
+              </a:defRPr>
+            </a:lvl1pPr>
+            <a:lvl2pPr eaLnBrk="0" fontAlgn="base" hangingPunct="0">
+              <a:spcBef>
+                <a:spcPct val="0"/>
+              </a:spcBef>
+              <a:spcAft>
+                <a:spcPct val="0"/>
+              </a:spcAft>
+              <a:defRPr>
+                <a:solidFill>
+                  <a:schemeClr val="tx1"/>
+                </a:solidFill>
+                <a:latin typeface="Arial" panose="020B0604020202020204" pitchFamily="34" charset="0"/>
+              </a:defRPr>
+            </a:lvl2pPr>
+            <a:lvl3pPr eaLnBrk="0" fontAlgn="base" hangingPunct="0">
+              <a:spcBef>
+                <a:spcPct val="0"/>
+              </a:spcBef>
+              <a:spcAft>
+                <a:spcPct val="0"/>
+              </a:spcAft>
+              <a:defRPr>
+                <a:solidFill>
+                  <a:schemeClr val="tx1"/>
+                </a:solidFill>
+                <a:latin typeface="Arial" panose="020B0604020202020204" pitchFamily="34" charset="0"/>
+              </a:defRPr>
+            </a:lvl3pPr>
+            <a:lvl4pPr eaLnBrk="0" fontAlgn="base" hangingPunct="0">
+              <a:spcBef>
+                <a:spcPct val="0"/>
+              </a:spcBef>
+              <a:spcAft>
+                <a:spcPct val="0"/>
+              </a:spcAft>
+              <a:defRPr>
+                <a:solidFill>
+                  <a:schemeClr val="tx1"/>
+                </a:solidFill>
+                <a:latin typeface="Arial" panose="020B0604020202020204" pitchFamily="34" charset="0"/>
+              </a:defRPr>
+            </a:lvl4pPr>
+            <a:lvl5pPr eaLnBrk="0" fontAlgn="base" hangingPunct="0">
+              <a:spcBef>
+                <a:spcPct val="0"/>
+              </a:spcBef>
+              <a:spcAft>
+                <a:spcPct val="0"/>
+              </a:spcAft>
+              <a:defRPr>
+                <a:solidFill>
+                  <a:schemeClr val="tx1"/>
+                </a:solidFill>
+                <a:latin typeface="Arial" panose="020B0604020202020204" pitchFamily="34" charset="0"/>
+              </a:defRPr>
+            </a:lvl5pPr>
+            <a:lvl6pPr eaLnBrk="0" fontAlgn="base" hangingPunct="0">
+              <a:spcBef>
+                <a:spcPct val="0"/>
+              </a:spcBef>
+              <a:spcAft>
+                <a:spcPct val="0"/>
+              </a:spcAft>
+              <a:defRPr>
+                <a:solidFill>
+                  <a:schemeClr val="tx1"/>
+                </a:solidFill>
+                <a:latin typeface="Arial" panose="020B0604020202020204" pitchFamily="34" charset="0"/>
+              </a:defRPr>
+            </a:lvl6pPr>
+            <a:lvl7pPr eaLnBrk="0" fontAlgn="base" hangingPunct="0">
+              <a:spcBef>
+                <a:spcPct val="0"/>
+              </a:spcBef>
+              <a:spcAft>
+                <a:spcPct val="0"/>
+              </a:spcAft>
+              <a:defRPr>
+                <a:solidFill>
+                  <a:schemeClr val="tx1"/>
+                </a:solidFill>
+                <a:latin typeface="Arial" panose="020B0604020202020204" pitchFamily="34" charset="0"/>
+              </a:defRPr>
+            </a:lvl7pPr>
+            <a:lvl8pPr eaLnBrk="0" fontAlgn="base" hangingPunct="0">
+              <a:spcBef>
+                <a:spcPct val="0"/>
+              </a:spcBef>
+              <a:spcAft>
+                <a:spcPct val="0"/>
+              </a:spcAft>
+              <a:defRPr>
+                <a:solidFill>
+                  <a:schemeClr val="tx1"/>
+                </a:solidFill>
+                <a:latin typeface="Arial" panose="020B0604020202020204" pitchFamily="34" charset="0"/>
+              </a:defRPr>
+            </a:lvl8pPr>
+            <a:lvl9pPr eaLnBrk="0" fontAlgn="base" hangingPunct="0">
+              <a:spcBef>
+                <a:spcPct val="0"/>
+              </a:spcBef>
+              <a:spcAft>
+                <a:spcPct val="0"/>
+              </a:spcAft>
+              <a:defRPr>
+                <a:solidFill>
+                  <a:schemeClr val="tx1"/>
+                </a:solidFill>
+                <a:latin typeface="Arial" panose="020B0604020202020204" pitchFamily="34" charset="0"/>
+              </a:defRPr>
+            </a:lvl9pPr>
+          </a:lstStyle>
+          <a:p>
+            <a:pPr marL="0" marR="0" lvl="0" indent="0" eaLnBrk="1" fontAlgn="base" hangingPunct="1">
+              <a:lnSpc>
+                <a:spcPct val="110000"/>
+              </a:lnSpc>
+              <a:spcBef>
+                <a:spcPts val="1000"/>
+              </a:spcBef>
+              <a:spcAft>
+                <a:spcPct val="0"/>
+              </a:spcAft>
+              <a:buClrTx/>
+              <a:buSzTx/>
+              <a:buNone/>
+              <a:tabLst/>
+            </a:pPr>
+            <a:endParaRPr lang="zh-CN" altLang="zh-CN" sz="1500" dirty="0">
+              <a:latin typeface="+mn-lt"/>
+            </a:endParaRPr>
           </a:p>
         </p:txBody>
       </p:sp>
@@ -3872,10 +4065,45 @@
       </p:grpSpPr>
       <p:sp>
         <p:nvSpPr>
+          <p:cNvPr id="2" name="标题 1">
+            <a:extLst>
+              <a:ext uri="{FF2B5EF4-FFF2-40B4-BE49-F238E27FC236}">
+                <a16:creationId xmlns:a16="http://schemas.microsoft.com/office/drawing/2014/main" id="{5A6BFF97-8062-4639-82DF-CE1032013532}"/>
+              </a:ext>
+            </a:extLst>
+          </p:cNvPr>
+          <p:cNvSpPr>
+            <a:spLocks noGrp="1"/>
+          </p:cNvSpPr>
+          <p:nvPr>
+            <p:ph type="title"/>
+          </p:nvPr>
+        </p:nvSpPr>
+        <p:spPr>
+          <a:xfrm>
+            <a:off x="0" y="16910"/>
+            <a:ext cx="11145078" cy="215003"/>
+          </a:xfrm>
+        </p:spPr>
+        <p:txBody>
+          <a:bodyPr>
+            <a:normAutofit fontScale="90000"/>
+          </a:bodyPr>
+          <a:lstStyle/>
+          <a:p>
+            <a:r>
+              <a:rPr lang="zh-CN" altLang="en-US" sz="1800" dirty="0"/>
+              <a:t>统计信息</a:t>
+            </a:r>
+          </a:p>
+        </p:txBody>
+      </p:sp>
+      <p:sp>
+        <p:nvSpPr>
           <p:cNvPr id="3" name="内容占位符 2">
             <a:extLst>
               <a:ext uri="{FF2B5EF4-FFF2-40B4-BE49-F238E27FC236}">
-                <a16:creationId xmlns:a16="http://schemas.microsoft.com/office/drawing/2014/main" id="{A26FA946-331F-4B92-B6C4-F430C82AA4C4}"/>
+                <a16:creationId xmlns:a16="http://schemas.microsoft.com/office/drawing/2014/main" id="{2D5F7FDF-F557-457F-B6D6-C7F52B333DEB}"/>
               </a:ext>
             </a:extLst>
           </p:cNvPr>
@@ -3888,8 +4116,8 @@
         </p:nvSpPr>
         <p:spPr>
           <a:xfrm>
-            <a:off x="251791" y="304800"/>
-            <a:ext cx="11102009" cy="5872163"/>
+            <a:off x="132522" y="231914"/>
+            <a:ext cx="11834191" cy="6394174"/>
           </a:xfrm>
         </p:spPr>
         <p:txBody>
@@ -3898,14 +4126,421 @@
           </a:bodyPr>
           <a:lstStyle/>
           <a:p>
-            <a:endParaRPr lang="zh-CN" altLang="en-US" sz="1200" dirty="0"/>
+            <a:pPr>
+              <a:lnSpc>
+                <a:spcPct val="110000"/>
+              </a:lnSpc>
+            </a:pPr>
+            <a:r>
+              <a:rPr lang="en-US" altLang="zh-CN" sz="1400" dirty="0"/>
+              <a:t>1.</a:t>
+            </a:r>
+            <a:r>
+              <a:rPr lang="zh-CN" altLang="en-US" sz="1400" dirty="0"/>
+              <a:t>统计信息简介</a:t>
+            </a:r>
+          </a:p>
+          <a:p>
+            <a:pPr marL="0" indent="0">
+              <a:lnSpc>
+                <a:spcPct val="110000"/>
+              </a:lnSpc>
+              <a:buNone/>
+            </a:pPr>
+            <a:r>
+              <a:rPr lang="zh-CN" altLang="en-US" sz="1400" dirty="0"/>
+              <a:t>统计信息主要是描述数据库中表，索引的大小，规模，数据分布状况等的一类信息。比如，表的行数，块数，平均每行的大小，索引的</a:t>
+            </a:r>
+            <a:r>
+              <a:rPr lang="en-US" altLang="zh-CN" sz="1400" dirty="0"/>
+              <a:t>leaf blocks</a:t>
+            </a:r>
+            <a:r>
+              <a:rPr lang="zh-CN" altLang="en-US" sz="1400" dirty="0"/>
+              <a:t>，索引字段的行数，不同值的大小等，都属于统计信息。</a:t>
+            </a:r>
+            <a:r>
+              <a:rPr lang="en-US" altLang="zh-CN" sz="1400" dirty="0"/>
+              <a:t>CBO</a:t>
+            </a:r>
+            <a:r>
+              <a:rPr lang="zh-CN" altLang="en-US" sz="1400" dirty="0"/>
+              <a:t>正是根据这些统计信息数据，计算出不同访问路径下，不同</a:t>
+            </a:r>
+            <a:r>
+              <a:rPr lang="en-US" altLang="zh-CN" sz="1400" dirty="0"/>
+              <a:t>join </a:t>
+            </a:r>
+            <a:r>
+              <a:rPr lang="zh-CN" altLang="en-US" sz="1400" dirty="0"/>
+              <a:t>方式下，各种计划的成本，最后选择出成本最小的计划。</a:t>
+            </a:r>
+            <a:endParaRPr lang="en-US" altLang="zh-CN" sz="1400" dirty="0"/>
+          </a:p>
+          <a:p>
+            <a:r>
+              <a:rPr lang="en-US" altLang="zh-CN" sz="1400" dirty="0"/>
+              <a:t>2.</a:t>
+            </a:r>
+            <a:r>
+              <a:rPr lang="zh-CN" altLang="en-US" sz="1400" dirty="0"/>
+              <a:t>统计信息的收集</a:t>
+            </a:r>
+            <a:endParaRPr lang="en-US" altLang="zh-CN" sz="1400" dirty="0"/>
+          </a:p>
+          <a:p>
+            <a:pPr marL="0" indent="0">
+              <a:lnSpc>
+                <a:spcPct val="110000"/>
+              </a:lnSpc>
+              <a:buNone/>
+            </a:pPr>
+            <a:r>
+              <a:rPr lang="en-US" altLang="zh-CN" sz="1400" dirty="0"/>
+              <a:t>Oracle </a:t>
+            </a:r>
+            <a:r>
+              <a:rPr lang="zh-CN" altLang="en-US" sz="1400" dirty="0"/>
+              <a:t>的</a:t>
+            </a:r>
+            <a:r>
+              <a:rPr lang="en-US" altLang="zh-CN" sz="1400" dirty="0"/>
+              <a:t>Statistic </a:t>
+            </a:r>
+            <a:r>
+              <a:rPr lang="zh-CN" altLang="en-US" sz="1400" dirty="0"/>
+              <a:t>信息的收集分两种：自动收集和手工收集。</a:t>
+            </a:r>
+            <a:r>
+              <a:rPr lang="en-US" altLang="zh-CN" sz="1400" dirty="0"/>
+              <a:t>Oracle </a:t>
+            </a:r>
+            <a:r>
+              <a:rPr lang="zh-CN" altLang="en-US" sz="1400" dirty="0"/>
+              <a:t>的</a:t>
+            </a:r>
+            <a:r>
+              <a:rPr lang="en-US" altLang="zh-CN" sz="1400" dirty="0"/>
+              <a:t>Automatic Statistics Gathering </a:t>
+            </a:r>
+            <a:r>
+              <a:rPr lang="zh-CN" altLang="en-US" sz="1400" dirty="0"/>
+              <a:t>是通过</a:t>
+            </a:r>
+            <a:r>
+              <a:rPr lang="en-US" altLang="zh-CN" sz="1400" dirty="0"/>
+              <a:t>Scheduler </a:t>
+            </a:r>
+            <a:r>
+              <a:rPr lang="zh-CN" altLang="en-US" sz="1400" dirty="0"/>
+              <a:t>来实现收集和维护的。</a:t>
+            </a:r>
+            <a:r>
+              <a:rPr lang="en-US" altLang="zh-CN" sz="1400" dirty="0"/>
+              <a:t>Oracle Statistic </a:t>
+            </a:r>
+            <a:r>
+              <a:rPr lang="zh-CN" altLang="en-US" sz="1400" dirty="0"/>
+              <a:t>的收集，可以使用</a:t>
+            </a:r>
+            <a:r>
+              <a:rPr lang="en-US" altLang="zh-CN" sz="1400" dirty="0"/>
+              <a:t>analyze </a:t>
+            </a:r>
+            <a:r>
+              <a:rPr lang="zh-CN" altLang="en-US" sz="1400" dirty="0"/>
+              <a:t>命令，也可以使用</a:t>
+            </a:r>
+            <a:r>
+              <a:rPr lang="en-US" altLang="zh-CN" sz="1400" dirty="0"/>
+              <a:t>DBMS_STATS </a:t>
+            </a:r>
+            <a:r>
+              <a:rPr lang="zh-CN" altLang="en-US" sz="1400" dirty="0"/>
+              <a:t>包来收集，</a:t>
+            </a:r>
+            <a:r>
+              <a:rPr lang="en-US" altLang="zh-CN" sz="1400" dirty="0"/>
+              <a:t>Oracle </a:t>
+            </a:r>
+            <a:r>
+              <a:rPr lang="zh-CN" altLang="en-US" sz="1400" dirty="0"/>
+              <a:t>建议使用</a:t>
+            </a:r>
+            <a:r>
+              <a:rPr lang="en-US" altLang="zh-CN" sz="1400" dirty="0"/>
+              <a:t>DBMS_STATS</a:t>
+            </a:r>
+            <a:r>
+              <a:rPr lang="zh-CN" altLang="en-US" sz="1400" dirty="0"/>
+              <a:t>包来收集统计信息，因为</a:t>
+            </a:r>
+            <a:r>
+              <a:rPr lang="en-US" altLang="zh-CN" sz="1400" dirty="0"/>
+              <a:t>DBMS_STATS</a:t>
+            </a:r>
+            <a:r>
+              <a:rPr lang="zh-CN" altLang="en-US" sz="1400" dirty="0"/>
+              <a:t>包收集的更广，并且更准确。</a:t>
+            </a:r>
+            <a:r>
+              <a:rPr lang="en-US" altLang="zh-CN" sz="1400" dirty="0"/>
+              <a:t>analyze </a:t>
+            </a:r>
+            <a:r>
+              <a:rPr lang="zh-CN" altLang="en-US" sz="1400" dirty="0"/>
+              <a:t>在以后的版本中可能会被移除。</a:t>
+            </a:r>
+          </a:p>
+          <a:p>
+            <a:pPr marL="0" indent="0">
+              <a:lnSpc>
+                <a:spcPct val="110000"/>
+              </a:lnSpc>
+              <a:buNone/>
+            </a:pPr>
+            <a:r>
+              <a:rPr lang="en-US" altLang="zh-CN" sz="1400" dirty="0"/>
+              <a:t>DBMS_STATS</a:t>
+            </a:r>
+            <a:r>
+              <a:rPr lang="zh-CN" altLang="en-US" sz="1400" dirty="0"/>
+              <a:t>常用的几个过程如下：</a:t>
+            </a:r>
+            <a:endParaRPr lang="en-US" altLang="zh-CN" sz="1400" dirty="0"/>
+          </a:p>
+          <a:p>
+            <a:pPr marL="0" lvl="0" indent="0" fontAlgn="base">
+              <a:lnSpc>
+                <a:spcPct val="110000"/>
+              </a:lnSpc>
+              <a:spcAft>
+                <a:spcPct val="0"/>
+              </a:spcAft>
+              <a:buNone/>
+            </a:pPr>
+            <a:r>
+              <a:rPr lang="zh-CN" altLang="zh-CN" sz="1400" dirty="0"/>
+              <a:t>dbms_stats.gather_table_stats 收集表、列和索引的统计信息；</a:t>
+            </a:r>
+          </a:p>
+          <a:p>
+            <a:pPr marL="0" lvl="0" indent="0" fontAlgn="base">
+              <a:lnSpc>
+                <a:spcPct val="110000"/>
+              </a:lnSpc>
+              <a:spcAft>
+                <a:spcPct val="0"/>
+              </a:spcAft>
+              <a:buNone/>
+            </a:pPr>
+            <a:r>
+              <a:rPr lang="zh-CN" altLang="zh-CN" sz="1400" dirty="0"/>
+              <a:t>dbms_stats.gather_schema_stats 收集SCHEMA下所有对象的统计信息；</a:t>
+            </a:r>
+          </a:p>
+          <a:p>
+            <a:pPr marL="0" lvl="0" indent="0" fontAlgn="base">
+              <a:lnSpc>
+                <a:spcPct val="110000"/>
+              </a:lnSpc>
+              <a:spcAft>
+                <a:spcPct val="0"/>
+              </a:spcAft>
+              <a:buNone/>
+            </a:pPr>
+            <a:r>
+              <a:rPr lang="zh-CN" altLang="zh-CN" sz="1400" dirty="0"/>
+              <a:t>dbms_stats.gather_index_stats 收集索引的统计信息；</a:t>
+            </a:r>
+          </a:p>
+          <a:p>
+            <a:pPr marL="0" lvl="0" indent="0" fontAlgn="base">
+              <a:lnSpc>
+                <a:spcPct val="110000"/>
+              </a:lnSpc>
+              <a:spcAft>
+                <a:spcPct val="0"/>
+              </a:spcAft>
+              <a:buNone/>
+            </a:pPr>
+            <a:r>
+              <a:rPr lang="zh-CN" altLang="zh-CN" sz="1400" dirty="0"/>
+              <a:t>dbms_stats.gather_system_stats 收集系统统计信息</a:t>
+            </a:r>
+            <a:endParaRPr lang="en-US" altLang="zh-CN" sz="1400" dirty="0"/>
+          </a:p>
+          <a:p>
+            <a:r>
+              <a:rPr lang="en-US" altLang="zh-CN" sz="1400" dirty="0"/>
+              <a:t> oracle</a:t>
+            </a:r>
+            <a:r>
+              <a:rPr lang="zh-CN" altLang="en-US" sz="1400" dirty="0"/>
+              <a:t>会在一个固定的时间将数据库里的表和索引的相关统计信息进行收集，默认选择周一到周五晚上</a:t>
+            </a:r>
+            <a:r>
+              <a:rPr lang="en-US" altLang="zh-CN" sz="1400" dirty="0"/>
+              <a:t>10</a:t>
+            </a:r>
+            <a:r>
+              <a:rPr lang="zh-CN" altLang="en-US" sz="1400" dirty="0"/>
+              <a:t>点，持续收集</a:t>
+            </a:r>
+            <a:r>
+              <a:rPr lang="en-US" altLang="zh-CN" sz="1400" dirty="0"/>
+              <a:t>4</a:t>
+            </a:r>
+            <a:r>
+              <a:rPr lang="zh-CN" altLang="en-US" sz="1400" dirty="0"/>
+              <a:t>小时，和周六周日早上</a:t>
+            </a:r>
+            <a:r>
+              <a:rPr lang="en-US" altLang="zh-CN" sz="1400" dirty="0"/>
+              <a:t>6</a:t>
+            </a:r>
+            <a:r>
+              <a:rPr lang="zh-CN" altLang="en-US" sz="1400" dirty="0"/>
+              <a:t>点，持续收集</a:t>
+            </a:r>
+            <a:r>
+              <a:rPr lang="en-US" altLang="zh-CN" sz="1400" dirty="0"/>
+              <a:t>20</a:t>
+            </a:r>
+            <a:r>
+              <a:rPr lang="zh-CN" altLang="en-US" sz="1400" dirty="0"/>
+              <a:t>小时。</a:t>
+            </a:r>
+            <a:br>
+              <a:rPr lang="zh-CN" altLang="en-US" sz="1400" dirty="0"/>
+            </a:br>
+            <a:r>
+              <a:rPr lang="en-US" altLang="zh-CN" sz="1400" dirty="0"/>
+              <a:t>oracle</a:t>
+            </a:r>
+            <a:r>
+              <a:rPr lang="zh-CN" altLang="en-US" sz="1400" dirty="0"/>
+              <a:t>可以专门对表的记录变化量进行管理，当某表一天记录变化量没有超过指定的阀值时，</a:t>
+            </a:r>
+            <a:r>
+              <a:rPr lang="en-US" altLang="zh-CN" sz="1400" dirty="0"/>
+              <a:t>oracle</a:t>
+            </a:r>
+            <a:r>
+              <a:rPr lang="zh-CN" altLang="en-US" sz="1400" dirty="0"/>
+              <a:t>就不会对该表进行统计信息收集。</a:t>
+            </a:r>
+            <a:endParaRPr lang="en-US" altLang="zh-CN" sz="1400" dirty="0"/>
+          </a:p>
+          <a:p>
+            <a:r>
+              <a:rPr lang="zh-CN" altLang="en-US" sz="1400" dirty="0"/>
+              <a:t>高水位线</a:t>
+            </a:r>
+          </a:p>
+          <a:p>
+            <a:pPr marL="0" indent="0">
+              <a:buFont typeface="Arial" panose="020B0604020202020204" pitchFamily="34" charset="0"/>
+              <a:buNone/>
+            </a:pPr>
+            <a:r>
+              <a:rPr lang="zh-CN" altLang="en-US" sz="1400" dirty="0"/>
+              <a:t>统计信息中的一个比较重要的概念</a:t>
+            </a:r>
+            <a:r>
+              <a:rPr lang="en-US" altLang="zh-CN" sz="1400" dirty="0"/>
+              <a:t>.</a:t>
+            </a:r>
+            <a:r>
+              <a:rPr lang="zh-CN" altLang="en-US" sz="1400" dirty="0"/>
+              <a:t>当我们向表插入数据时</a:t>
+            </a:r>
+            <a:r>
+              <a:rPr lang="en-US" altLang="zh-CN" sz="1400" dirty="0"/>
+              <a:t>,</a:t>
+            </a:r>
+            <a:r>
+              <a:rPr lang="zh-CN" altLang="en-US" sz="1400" dirty="0"/>
+              <a:t>第</a:t>
+            </a:r>
+            <a:r>
+              <a:rPr lang="en-US" altLang="zh-CN" sz="1400" dirty="0"/>
+              <a:t>1</a:t>
+            </a:r>
+            <a:r>
+              <a:rPr lang="zh-CN" altLang="en-US" sz="1400" dirty="0"/>
+              <a:t>个块已经放不下后面新插入的数据。此时</a:t>
+            </a:r>
+            <a:r>
+              <a:rPr lang="en-US" altLang="zh-CN" sz="1400" dirty="0"/>
+              <a:t>,Oracle</a:t>
+            </a:r>
+            <a:r>
+              <a:rPr lang="zh-CN" altLang="en-US" sz="1400" dirty="0"/>
+              <a:t>将高水位线之上的块用于存储新增数据</a:t>
+            </a:r>
+            <a:r>
+              <a:rPr lang="en-US" altLang="zh-CN" sz="1400" dirty="0"/>
+              <a:t>;</a:t>
+            </a:r>
+            <a:r>
+              <a:rPr lang="zh-CN" altLang="en-US" sz="1400" dirty="0"/>
+              <a:t>同时，高水平线本身也向上移。也就是说当不断插入数据时</a:t>
+            </a:r>
+            <a:r>
+              <a:rPr lang="en-US" altLang="zh-CN" sz="1400" dirty="0"/>
+              <a:t>,</a:t>
+            </a:r>
+            <a:r>
+              <a:rPr lang="zh-CN" altLang="en-US" sz="1400" dirty="0"/>
+              <a:t>高水位线会不断上移。这样在高水位线之下的，就表示使用过的块</a:t>
+            </a:r>
+            <a:r>
+              <a:rPr lang="en-US" altLang="zh-CN" sz="1400" dirty="0"/>
+              <a:t>;</a:t>
+            </a:r>
+            <a:r>
+              <a:rPr lang="zh-CN" altLang="en-US" sz="1400" dirty="0"/>
+              <a:t>高水位线之上的，就表示已分配但未使用过的块。高水位线在插入数据时，当现有空间不足而进行空间扩展时会向上移，但是删除数据不会下移。</a:t>
+            </a:r>
+            <a:r>
+              <a:rPr lang="en-US" altLang="zh-CN" sz="1400" dirty="0"/>
+              <a:t>Oracle</a:t>
+            </a:r>
+            <a:r>
+              <a:rPr lang="zh-CN" altLang="en-US" sz="1400" dirty="0"/>
+              <a:t>不会释放空间以供其他对象使用。而</a:t>
+            </a:r>
+            <a:r>
+              <a:rPr lang="en-US" altLang="zh-CN" sz="1400" dirty="0"/>
+              <a:t>Oracle</a:t>
+            </a:r>
+            <a:r>
+              <a:rPr lang="zh-CN" altLang="en-US" sz="1400" dirty="0"/>
+              <a:t>全表扫描是读取高水位线以下的所有块。当发出一个全表扫描时，</a:t>
+            </a:r>
+            <a:r>
+              <a:rPr lang="en-US" altLang="zh-CN" sz="1400" dirty="0"/>
+              <a:t>Oracle</a:t>
+            </a:r>
+            <a:r>
+              <a:rPr lang="zh-CN" altLang="en-US" sz="1400" dirty="0"/>
+              <a:t>始终从段开头一直扫到高水位线，即使什么也没有找到。该任务延长了全表扫描的时间。</a:t>
+            </a:r>
+            <a:endParaRPr lang="en-US" altLang="zh-CN" sz="1400" dirty="0"/>
+          </a:p>
+          <a:p>
+            <a:pPr marL="0" indent="0">
+              <a:buNone/>
+            </a:pPr>
+            <a:endParaRPr lang="zh-CN" altLang="en-US" sz="1400" dirty="0"/>
           </a:p>
         </p:txBody>
       </p:sp>
     </p:spTree>
     <p:extLst>
       <p:ext uri="{BB962C8B-B14F-4D97-AF65-F5344CB8AC3E}">
-        <p14:creationId xmlns:p14="http://schemas.microsoft.com/office/powerpoint/2010/main" val="4252766689"/>
+        <p14:creationId xmlns:p14="http://schemas.microsoft.com/office/powerpoint/2010/main" val="1214335774"/>
       </p:ext>
     </p:extLst>
   </p:cSld>
@@ -3948,9 +4583,16 @@
             <p:ph type="title"/>
           </p:nvPr>
         </p:nvSpPr>
-        <p:spPr/>
+        <p:spPr>
+          <a:xfrm>
+            <a:off x="410817" y="365125"/>
+            <a:ext cx="10942983" cy="231223"/>
+          </a:xfrm>
+        </p:spPr>
         <p:txBody>
-          <a:bodyPr/>
+          <a:bodyPr>
+            <a:normAutofit fontScale="90000"/>
+          </a:bodyPr>
           <a:lstStyle/>
           <a:p>
             <a:r>
@@ -3978,8 +4620,8 @@
         </p:nvSpPr>
         <p:spPr>
           <a:xfrm>
-            <a:off x="715617" y="1351722"/>
-            <a:ext cx="10638183" cy="4825241"/>
+            <a:off x="318053" y="795130"/>
+            <a:ext cx="11035748" cy="6062870"/>
           </a:xfrm>
         </p:spPr>
         <p:txBody>
@@ -3988,6 +4630,11 @@
           </a:bodyPr>
           <a:lstStyle/>
           <a:p>
+            <a:pPr>
+              <a:lnSpc>
+                <a:spcPct val="110000"/>
+              </a:lnSpc>
+            </a:pPr>
             <a:r>
               <a:rPr lang="zh-CN" altLang="en-US" sz="1400" dirty="0"/>
               <a:t>尽量避免全表扫描</a:t>
@@ -3995,22 +4642,22 @@
             <a:endParaRPr lang="en-US" altLang="zh-CN" sz="1400" dirty="0"/>
           </a:p>
           <a:p>
+            <a:pPr>
+              <a:lnSpc>
+                <a:spcPct val="110000"/>
+              </a:lnSpc>
+            </a:pPr>
             <a:r>
               <a:rPr lang="en-US" altLang="zh-CN" sz="1400" dirty="0"/>
               <a:t>Where</a:t>
             </a:r>
             <a:r>
               <a:rPr lang="zh-CN" altLang="en-US" sz="1400" dirty="0"/>
-              <a:t>子句中的连接顺序</a:t>
-            </a:r>
-          </a:p>
-          <a:p>
-            <a:pPr marL="0" indent="0">
-              <a:buNone/>
-            </a:pPr>
+              <a:t>子句中的连接顺序   </a:t>
+            </a:r>
             <a:r>
               <a:rPr lang="en-US" altLang="zh-CN" sz="1400" dirty="0"/>
-              <a:t>	Oracle</a:t>
+              <a:t>Oracle</a:t>
             </a:r>
             <a:r>
               <a:rPr lang="zh-CN" altLang="en-US" sz="1400" dirty="0"/>
@@ -4046,28 +4693,24 @@
             </a:r>
             <a:r>
               <a:rPr lang="zh-CN" altLang="en-US" sz="1400" dirty="0"/>
-              <a:t>子句的</a:t>
-            </a:r>
-            <a:r>
-              <a:rPr lang="zh-CN" altLang="en-US" sz="1400"/>
-              <a:t>末尾。</a:t>
+              <a:t>子句的末尾。</a:t>
             </a:r>
             <a:endParaRPr lang="en-US" altLang="zh-CN" sz="1400" dirty="0"/>
           </a:p>
           <a:p>
+            <a:pPr>
+              <a:lnSpc>
+                <a:spcPct val="110000"/>
+              </a:lnSpc>
+            </a:pPr>
             <a:r>
               <a:rPr lang="en-US" altLang="zh-CN" sz="1400" dirty="0"/>
               <a:t>SELECT</a:t>
             </a:r>
             <a:r>
               <a:rPr lang="zh-CN" altLang="en-US" sz="1400" dirty="0"/>
-              <a:t>子句中避免使用“*”</a:t>
-            </a:r>
-          </a:p>
-          <a:p>
-            <a:pPr marL="0" indent="0">
-              <a:buNone/>
-            </a:pPr>
+              <a:t>子句中避免使用“*” </a:t>
+            </a:r>
             <a:r>
               <a:rPr lang="en-US" altLang="zh-CN" sz="1400" dirty="0"/>
               <a:t>Oracle</a:t>
@@ -4087,11 +4730,14 @@
           </a:p>
           <a:p>
             <a:pPr marL="0" indent="0">
+              <a:lnSpc>
+                <a:spcPct val="110000"/>
+              </a:lnSpc>
               <a:buNone/>
             </a:pPr>
             <a:r>
               <a:rPr lang="zh-CN" altLang="en-US" sz="1400" dirty="0"/>
-              <a:t>如果在</a:t>
+              <a:t>    如果在</a:t>
             </a:r>
             <a:r>
               <a:rPr lang="en-US" altLang="zh-CN" sz="1400" dirty="0"/>
@@ -4119,6 +4765,11 @@
             </a:r>
           </a:p>
           <a:p>
+            <a:pPr>
+              <a:lnSpc>
+                <a:spcPct val="110000"/>
+              </a:lnSpc>
+            </a:pPr>
             <a:r>
               <a:rPr lang="zh-CN" altLang="en-US" sz="1400" dirty="0"/>
               <a:t>减少访问数据库的次数</a:t>
@@ -4126,121 +4777,296 @@
             <a:endParaRPr lang="en-US" altLang="zh-CN" sz="1400" dirty="0"/>
           </a:p>
           <a:p>
-            <a:pPr marL="0" indent="0">
+            <a:pPr>
+              <a:lnSpc>
+                <a:spcPct val="110000"/>
+              </a:lnSpc>
+            </a:pPr>
+            <a:r>
+              <a:rPr lang="zh-CN" altLang="en-US" sz="1400" dirty="0"/>
+              <a:t>当执行每条</a:t>
+            </a:r>
+            <a:r>
+              <a:rPr lang="en-US" altLang="zh-CN" sz="1400" dirty="0"/>
+              <a:t>SQL</a:t>
+            </a:r>
+            <a:r>
+              <a:rPr lang="zh-CN" altLang="en-US" sz="1400" dirty="0"/>
+              <a:t>语句时</a:t>
+            </a:r>
+            <a:r>
+              <a:rPr lang="en-US" altLang="zh-CN" sz="1400" dirty="0"/>
+              <a:t>, ORACLE</a:t>
+            </a:r>
+            <a:r>
+              <a:rPr lang="zh-CN" altLang="en-US" sz="1400" dirty="0"/>
+              <a:t>在内部执行了许多工作：  解析</a:t>
+            </a:r>
+            <a:r>
+              <a:rPr lang="en-US" altLang="zh-CN" sz="1400" dirty="0"/>
+              <a:t>SQL</a:t>
+            </a:r>
+            <a:r>
+              <a:rPr lang="zh-CN" altLang="en-US" sz="1400" dirty="0"/>
+              <a:t>语句 </a:t>
+            </a:r>
+            <a:r>
+              <a:rPr lang="en-US" altLang="zh-CN" sz="1400" dirty="0"/>
+              <a:t>&gt; </a:t>
+            </a:r>
+            <a:r>
+              <a:rPr lang="zh-CN" altLang="en-US" sz="1400" dirty="0"/>
+              <a:t>生成执行计划</a:t>
+            </a:r>
+            <a:r>
+              <a:rPr lang="en-US" altLang="zh-CN" sz="1400" dirty="0"/>
+              <a:t>&gt; </a:t>
+            </a:r>
+            <a:r>
+              <a:rPr lang="zh-CN" altLang="en-US" sz="1400" dirty="0"/>
+              <a:t>绑定变量 </a:t>
+            </a:r>
+            <a:r>
+              <a:rPr lang="en-US" altLang="zh-CN" sz="1400" dirty="0"/>
+              <a:t>&gt; </a:t>
+            </a:r>
+            <a:r>
+              <a:rPr lang="zh-CN" altLang="en-US" sz="1400" dirty="0"/>
+              <a:t>读数据块等等</a:t>
+            </a:r>
+          </a:p>
+          <a:p>
+            <a:pPr>
+              <a:lnSpc>
+                <a:spcPct val="110000"/>
+              </a:lnSpc>
+            </a:pPr>
+            <a:r>
+              <a:rPr lang="zh-CN" altLang="en-US" sz="1400" dirty="0"/>
+              <a:t>由此可见</a:t>
+            </a:r>
+            <a:r>
+              <a:rPr lang="en-US" altLang="zh-CN" sz="1400" dirty="0"/>
+              <a:t>, </a:t>
+            </a:r>
+            <a:r>
+              <a:rPr lang="zh-CN" altLang="en-US" sz="1400" dirty="0"/>
+              <a:t>减少访问数据库的次数 </a:t>
+            </a:r>
+            <a:r>
+              <a:rPr lang="en-US" altLang="zh-CN" sz="1400" dirty="0"/>
+              <a:t>, </a:t>
+            </a:r>
+            <a:r>
+              <a:rPr lang="zh-CN" altLang="en-US" sz="1400" dirty="0"/>
+              <a:t>就能实际上减少</a:t>
+            </a:r>
+            <a:r>
+              <a:rPr lang="en-US" altLang="zh-CN" sz="1400" dirty="0"/>
+              <a:t>ORACLE</a:t>
+            </a:r>
+            <a:r>
+              <a:rPr lang="zh-CN" altLang="en-US" sz="1400" dirty="0"/>
+              <a:t>的工作量。</a:t>
+            </a:r>
+          </a:p>
+          <a:p>
+            <a:pPr>
+              <a:lnSpc>
+                <a:spcPct val="110000"/>
+              </a:lnSpc>
+            </a:pPr>
+            <a:r>
+              <a:rPr lang="zh-CN" altLang="en-US" sz="1400" dirty="0"/>
+              <a:t>如果需要清除表的数据使用</a:t>
+            </a:r>
+            <a:r>
+              <a:rPr lang="en-US" altLang="zh-CN" sz="1400" dirty="0"/>
+              <a:t>Truncate</a:t>
+            </a:r>
+            <a:r>
+              <a:rPr lang="zh-CN" altLang="en-US" sz="1400" dirty="0"/>
+              <a:t>而非</a:t>
+            </a:r>
+            <a:r>
+              <a:rPr lang="en-US" altLang="zh-CN" sz="1400" dirty="0"/>
+              <a:t>Delete</a:t>
+            </a:r>
+          </a:p>
+          <a:p>
+            <a:pPr>
               <a:lnSpc>
                 <a:spcPct val="100000"/>
               </a:lnSpc>
-              <a:buNone/>
             </a:pPr>
             <a:r>
               <a:rPr lang="zh-CN" altLang="en-US" sz="1400" dirty="0"/>
-              <a:t>当执行每条</a:t>
+              <a:t>比较多</a:t>
             </a:r>
             <a:r>
               <a:rPr lang="en-US" altLang="zh-CN" sz="1400" dirty="0"/>
-              <a:t>SQL</a:t>
+              <a:t>or</a:t>
             </a:r>
             <a:r>
               <a:rPr lang="zh-CN" altLang="en-US" sz="1400" dirty="0"/>
-              <a:t>语句时</a:t>
+              <a:t>运算的查询能使用</a:t>
             </a:r>
             <a:r>
               <a:rPr lang="en-US" altLang="zh-CN" sz="1400" dirty="0"/>
-              <a:t>, ORACLE</a:t>
+              <a:t>union all </a:t>
             </a:r>
             <a:r>
               <a:rPr lang="zh-CN" altLang="en-US" sz="1400" dirty="0"/>
-              <a:t>在内部执行了许多工作：  解析</a:t>
+              <a:t>替换 </a:t>
             </a:r>
             <a:r>
               <a:rPr lang="en-US" altLang="zh-CN" sz="1400" dirty="0"/>
-              <a:t>SQL</a:t>
+              <a:t>or</a:t>
             </a:r>
             <a:r>
               <a:rPr lang="zh-CN" altLang="en-US" sz="1400" dirty="0"/>
-              <a:t>语句 </a:t>
+              <a:t>运算，建议分成多个查询，用</a:t>
             </a:r>
             <a:r>
               <a:rPr lang="en-US" altLang="zh-CN" sz="1400" dirty="0"/>
-              <a:t>&gt; </a:t>
+              <a:t>union all</a:t>
             </a:r>
             <a:r>
               <a:rPr lang="zh-CN" altLang="en-US" sz="1400" dirty="0"/>
-              <a:t>生成执行计划</a:t>
-            </a:r>
-            <a:r>
-              <a:rPr lang="en-US" altLang="zh-CN" sz="1400" dirty="0"/>
-              <a:t>&gt; </a:t>
-            </a:r>
+              <a:t>联结起来；</a:t>
+            </a:r>
+            <a:endParaRPr lang="en-US" altLang="zh-CN" sz="1400" dirty="0"/>
+          </a:p>
+          <a:p>
+            <a:pPr>
+              <a:lnSpc>
+                <a:spcPct val="110000"/>
+              </a:lnSpc>
+            </a:pPr>
             <a:r>
               <a:rPr lang="zh-CN" altLang="en-US" sz="1400" dirty="0"/>
-              <a:t>绑定变量 </a:t>
-            </a:r>
-            <a:r>
-              <a:rPr lang="en-US" altLang="zh-CN" sz="1400" dirty="0"/>
-              <a:t>&gt; </a:t>
+              <a:t>尽量避免使用</a:t>
+            </a:r>
+            <a:r>
+              <a:rPr lang="en-US" altLang="zh-CN" sz="1400" dirty="0" err="1"/>
+              <a:t>dblink</a:t>
             </a:r>
             <a:r>
               <a:rPr lang="zh-CN" altLang="en-US" sz="1400" dirty="0"/>
-              <a:t>读数据块等等</a:t>
-            </a:r>
-          </a:p>
-          <a:p>
-            <a:pPr marL="0" indent="0">
+              <a:t>访问数据库，使用</a:t>
+            </a:r>
+            <a:r>
+              <a:rPr lang="en-US" altLang="zh-CN" sz="1400" dirty="0" err="1"/>
+              <a:t>dblink</a:t>
+            </a:r>
+            <a:r>
+              <a:rPr lang="zh-CN" altLang="en-US" sz="1400" dirty="0"/>
+              <a:t>会产生数据上的网络交互，极大影响性能；</a:t>
+            </a:r>
+          </a:p>
+          <a:p>
+            <a:pPr>
               <a:lnSpc>
                 <a:spcPct val="100000"/>
               </a:lnSpc>
-              <a:buNone/>
             </a:pPr>
             <a:r>
               <a:rPr lang="zh-CN" altLang="en-US" sz="1400" dirty="0"/>
-              <a:t>由此可见</a:t>
+              <a:t>利用索引，避免大表</a:t>
             </a:r>
             <a:r>
               <a:rPr lang="en-US" altLang="zh-CN" sz="1400" dirty="0"/>
-              <a:t>, </a:t>
+              <a:t>FULL TABLE SCAN</a:t>
             </a:r>
             <a:r>
               <a:rPr lang="zh-CN" altLang="en-US" sz="1400" dirty="0"/>
-              <a:t>减少访问数据库的次数 </a:t>
+              <a:t>；</a:t>
+            </a:r>
+          </a:p>
+          <a:p>
+            <a:pPr>
+              <a:lnSpc>
+                <a:spcPct val="100000"/>
+              </a:lnSpc>
+            </a:pPr>
+            <a:r>
+              <a:rPr lang="zh-CN" altLang="en-US" sz="1400" dirty="0"/>
+              <a:t>避免写过于复杂的</a:t>
+            </a:r>
+            <a:r>
+              <a:rPr lang="en-US" altLang="zh-CN" sz="1400" dirty="0" err="1"/>
+              <a:t>sql</a:t>
+            </a:r>
+            <a:r>
+              <a:rPr lang="zh-CN" altLang="en-US" sz="1400" dirty="0"/>
+              <a:t>，不一定非要一个</a:t>
+            </a:r>
+            <a:r>
+              <a:rPr lang="en-US" altLang="zh-CN" sz="1400" dirty="0" err="1"/>
+              <a:t>sql</a:t>
+            </a:r>
+            <a:r>
+              <a:rPr lang="zh-CN" altLang="en-US" sz="1400" dirty="0"/>
+              <a:t>解决问题；</a:t>
+            </a:r>
+            <a:endParaRPr lang="en-US" altLang="zh-CN" sz="1400" dirty="0"/>
+          </a:p>
+          <a:p>
+            <a:pPr>
+              <a:lnSpc>
+                <a:spcPct val="100000"/>
+              </a:lnSpc>
+            </a:pPr>
+            <a:r>
+              <a:rPr lang="zh-CN" altLang="en-US" sz="1400" dirty="0"/>
+              <a:t>注意查询列字段类型，避免索引列自动转换</a:t>
+            </a:r>
+            <a:endParaRPr lang="en-US" altLang="zh-CN" sz="1400" dirty="0"/>
+          </a:p>
+          <a:p>
+            <a:pPr>
+              <a:lnSpc>
+                <a:spcPct val="100000"/>
+              </a:lnSpc>
+            </a:pPr>
+            <a:r>
+              <a:rPr lang="zh-CN" altLang="en-US" sz="1400" dirty="0"/>
+              <a:t>用</a:t>
             </a:r>
             <a:r>
               <a:rPr lang="en-US" altLang="zh-CN" sz="1400" dirty="0"/>
-              <a:t>, </a:t>
+              <a:t>not exists </a:t>
             </a:r>
             <a:r>
               <a:rPr lang="zh-CN" altLang="en-US" sz="1400" dirty="0"/>
-              <a:t>就能实际上减少</a:t>
+              <a:t>替代</a:t>
             </a:r>
             <a:r>
               <a:rPr lang="en-US" altLang="zh-CN" sz="1400" dirty="0"/>
-              <a:t>ORACLE</a:t>
-            </a:r>
+              <a:t>not in;</a:t>
+            </a:r>
+          </a:p>
+          <a:p>
+            <a:pPr>
+              <a:lnSpc>
+                <a:spcPct val="100000"/>
+              </a:lnSpc>
+            </a:pPr>
             <a:r>
               <a:rPr lang="zh-CN" altLang="en-US" sz="1400" dirty="0"/>
-              <a:t>的工作量。</a:t>
-            </a:r>
-          </a:p>
-          <a:p>
+              <a:t>有些</a:t>
+            </a:r>
+            <a:r>
+              <a:rPr lang="en-US" altLang="zh-CN" sz="1400" dirty="0"/>
+              <a:t>SQL</a:t>
+            </a:r>
             <a:r>
               <a:rPr lang="zh-CN" altLang="en-US" sz="1400" dirty="0"/>
-              <a:t>如果需要清除表的数据使用</a:t>
-            </a:r>
-            <a:r>
+              <a:t>语句不具备优化的可能，需要优化处理方式；</a:t>
+            </a:r>
+            <a:br>
               <a:rPr lang="en-US" altLang="zh-CN" sz="1400" dirty="0"/>
-              <a:t>Truncate</a:t>
-            </a:r>
-            <a:r>
-              <a:rPr lang="zh-CN" altLang="en-US" sz="1400" dirty="0"/>
-              <a:t>而非</a:t>
-            </a:r>
-            <a:r>
-              <a:rPr lang="en-US" altLang="zh-CN" sz="1400" dirty="0"/>
-              <a:t>Delete</a:t>
-            </a:r>
-            <a:endParaRPr lang="zh-CN" altLang="en-US" sz="1400" dirty="0"/>
-          </a:p>
-          <a:p>
+            </a:br>
             <a:endParaRPr lang="zh-CN" altLang="en-US" sz="1400" dirty="0"/>
           </a:p>
         </p:txBody>
